--- a/Docs/design.pptx
+++ b/Docs/design.pptx
@@ -5,10 +5,10 @@
     <p:sldMasterId id="2147483648" r:id="rId4"/>
   </p:sldMasterIdLst>
   <p:notesMasterIdLst>
-    <p:notesMasterId r:id="rId12"/>
+    <p:notesMasterId r:id="rId13"/>
   </p:notesMasterIdLst>
   <p:handoutMasterIdLst>
-    <p:handoutMasterId r:id="rId13"/>
+    <p:handoutMasterId r:id="rId14"/>
   </p:handoutMasterIdLst>
   <p:sldIdLst>
     <p:sldId id="256" r:id="rId5"/>
@@ -18,6 +18,7 @@
     <p:sldId id="275" r:id="rId9"/>
     <p:sldId id="274" r:id="rId10"/>
     <p:sldId id="276" r:id="rId11"/>
+    <p:sldId id="278" r:id="rId12"/>
   </p:sldIdLst>
   <p:sldSz cx="12192000" cy="6858000"/>
   <p:notesSz cx="6858000" cy="9144000"/>
@@ -3668,7 +3669,7 @@
           <a:p>
             <a:fld id="{23CEAAF3-9831-450B-8D59-2C09DB96C8FC}" type="datetimeFigureOut">
               <a:rPr lang="en-US"/>
-              <a:t>7/13/2021</a:t>
+              <a:t>7/22/2021</a:t>
             </a:fld>
             <a:endParaRPr/>
           </a:p>
@@ -3833,7 +3834,7 @@
           <a:p>
             <a:fld id="{2D50CD79-FC16-4410-AB61-17F26E6D3BC8}" type="datetimeFigureOut">
               <a:rPr lang="en-US"/>
-              <a:t>7/13/2021</a:t>
+              <a:t>7/22/2021</a:t>
             </a:fld>
             <a:endParaRPr/>
           </a:p>
@@ -4475,7 +4476,7 @@
             <a:fld id="{402B9795-92DC-40DC-A1CA-9A4B349D7824}" type="datetimeFigureOut">
               <a:rPr lang="en-US" smtClean="0"/>
               <a:pPr/>
-              <a:t>7/13/2021</a:t>
+              <a:t>7/22/2021</a:t>
             </a:fld>
             <a:endParaRPr lang="en-US" dirty="0"/>
           </a:p>
@@ -4769,7 +4770,7 @@
           <a:p>
             <a:fld id="{402B9795-92DC-40DC-A1CA-9A4B349D7824}" type="datetimeFigureOut">
               <a:rPr lang="en-US"/>
-              <a:t>7/13/2021</a:t>
+              <a:t>7/22/2021</a:t>
             </a:fld>
             <a:endParaRPr/>
           </a:p>
@@ -4951,7 +4952,7 @@
           <a:p>
             <a:fld id="{402B9795-92DC-40DC-A1CA-9A4B349D7824}" type="datetimeFigureOut">
               <a:rPr lang="en-US"/>
-              <a:t>7/13/2021</a:t>
+              <a:t>7/22/2021</a:t>
             </a:fld>
             <a:endParaRPr/>
           </a:p>
@@ -5143,7 +5144,7 @@
           <a:p>
             <a:fld id="{402B9795-92DC-40DC-A1CA-9A4B349D7824}" type="datetimeFigureOut">
               <a:rPr lang="en-US"/>
-              <a:t>7/13/2021</a:t>
+              <a:t>7/22/2021</a:t>
             </a:fld>
             <a:endParaRPr/>
           </a:p>
@@ -5412,7 +5413,7 @@
           <a:p>
             <a:fld id="{402B9795-92DC-40DC-A1CA-9A4B349D7824}" type="datetimeFigureOut">
               <a:rPr lang="en-US"/>
-              <a:t>7/13/2021</a:t>
+              <a:t>7/22/2021</a:t>
             </a:fld>
             <a:endParaRPr/>
           </a:p>
@@ -6441,7 +6442,7 @@
           <a:p>
             <a:fld id="{402B9795-92DC-40DC-A1CA-9A4B349D7824}" type="datetimeFigureOut">
               <a:rPr lang="en-US"/>
-              <a:t>7/13/2021</a:t>
+              <a:t>7/22/2021</a:t>
             </a:fld>
             <a:endParaRPr/>
           </a:p>
@@ -6714,7 +6715,7 @@
           <a:p>
             <a:fld id="{402B9795-92DC-40DC-A1CA-9A4B349D7824}" type="datetimeFigureOut">
               <a:rPr lang="en-US"/>
-              <a:t>7/13/2021</a:t>
+              <a:t>7/22/2021</a:t>
             </a:fld>
             <a:endParaRPr/>
           </a:p>
@@ -7094,7 +7095,7 @@
           <a:p>
             <a:fld id="{402B9795-92DC-40DC-A1CA-9A4B349D7824}" type="datetimeFigureOut">
               <a:rPr lang="en-US"/>
-              <a:t>7/13/2021</a:t>
+              <a:t>7/22/2021</a:t>
             </a:fld>
             <a:endParaRPr/>
           </a:p>
@@ -7224,7 +7225,7 @@
           <a:p>
             <a:fld id="{402B9795-92DC-40DC-A1CA-9A4B349D7824}" type="datetimeFigureOut">
               <a:rPr lang="en-US"/>
-              <a:t>7/13/2021</a:t>
+              <a:t>7/22/2021</a:t>
             </a:fld>
             <a:endParaRPr/>
           </a:p>
@@ -7331,7 +7332,7 @@
           <a:p>
             <a:fld id="{402B9795-92DC-40DC-A1CA-9A4B349D7824}" type="datetimeFigureOut">
               <a:rPr lang="en-US"/>
-              <a:t>7/13/2021</a:t>
+              <a:t>7/22/2021</a:t>
             </a:fld>
             <a:endParaRPr/>
           </a:p>
@@ -7622,7 +7623,7 @@
           <a:p>
             <a:fld id="{402B9795-92DC-40DC-A1CA-9A4B349D7824}" type="datetimeFigureOut">
               <a:rPr lang="en-US"/>
-              <a:t>7/13/2021</a:t>
+              <a:t>7/22/2021</a:t>
             </a:fld>
             <a:endParaRPr/>
           </a:p>
@@ -7848,7 +7849,7 @@
             <a:fld id="{402B9795-92DC-40DC-A1CA-9A4B349D7824}" type="datetimeFigureOut">
               <a:rPr lang="en-US" smtClean="0"/>
               <a:pPr/>
-              <a:t>7/13/2021</a:t>
+              <a:t>7/22/2021</a:t>
             </a:fld>
             <a:endParaRPr lang="en-US"/>
           </a:p>
@@ -12272,6 +12273,311 @@
 </p:sld>
 </file>
 
+<file path=ppt/slides/slide8.xml><?xml version="1.0" encoding="utf-8"?>
+<p:sld xmlns:a="http://schemas.openxmlformats.org/drawingml/2006/main" xmlns:r="http://schemas.openxmlformats.org/officeDocument/2006/relationships" xmlns:p="http://schemas.openxmlformats.org/presentationml/2006/main">
+  <p:cSld>
+    <p:spTree>
+      <p:nvGrpSpPr>
+        <p:cNvPr id="1" name=""/>
+        <p:cNvGrpSpPr/>
+        <p:nvPr/>
+      </p:nvGrpSpPr>
+      <p:grpSpPr>
+        <a:xfrm>
+          <a:off x="0" y="0"/>
+          <a:ext cx="0" cy="0"/>
+          <a:chOff x="0" y="0"/>
+          <a:chExt cx="0" cy="0"/>
+        </a:xfrm>
+      </p:grpSpPr>
+      <p:sp>
+        <p:nvSpPr>
+          <p:cNvPr id="2" name="Title 1">
+            <a:extLst>
+              <a:ext uri="{FF2B5EF4-FFF2-40B4-BE49-F238E27FC236}">
+                <a16:creationId xmlns:a16="http://schemas.microsoft.com/office/drawing/2014/main" id="{D36C328F-10CC-49E4-BDB2-5AA8EEA0CBC1}"/>
+              </a:ext>
+            </a:extLst>
+          </p:cNvPr>
+          <p:cNvSpPr>
+            <a:spLocks noGrp="1"/>
+          </p:cNvSpPr>
+          <p:nvPr>
+            <p:ph type="title"/>
+          </p:nvPr>
+        </p:nvSpPr>
+        <p:spPr/>
+        <p:txBody>
+          <a:bodyPr/>
+          <a:lstStyle/>
+          <a:p>
+            <a:endParaRPr lang="en-US"/>
+          </a:p>
+        </p:txBody>
+      </p:sp>
+      <p:sp>
+        <p:nvSpPr>
+          <p:cNvPr id="5" name="Oval 4">
+            <a:extLst>
+              <a:ext uri="{FF2B5EF4-FFF2-40B4-BE49-F238E27FC236}">
+                <a16:creationId xmlns:a16="http://schemas.microsoft.com/office/drawing/2014/main" id="{DEE07754-8F24-4F96-805F-DE27D1DB2292}"/>
+              </a:ext>
+            </a:extLst>
+          </p:cNvPr>
+          <p:cNvSpPr/>
+          <p:nvPr/>
+        </p:nvSpPr>
+        <p:spPr>
+          <a:xfrm>
+            <a:off x="1747520" y="2011680"/>
+            <a:ext cx="2336800" cy="2275840"/>
+          </a:xfrm>
+          <a:prstGeom prst="ellipse">
+            <a:avLst/>
+          </a:prstGeom>
+        </p:spPr>
+        <p:style>
+          <a:lnRef idx="2">
+            <a:schemeClr val="accent1">
+              <a:shade val="50000"/>
+            </a:schemeClr>
+          </a:lnRef>
+          <a:fillRef idx="1">
+            <a:schemeClr val="accent1"/>
+          </a:fillRef>
+          <a:effectRef idx="0">
+            <a:schemeClr val="accent1"/>
+          </a:effectRef>
+          <a:fontRef idx="minor">
+            <a:schemeClr val="lt1"/>
+          </a:fontRef>
+        </p:style>
+        <p:txBody>
+          <a:bodyPr rtlCol="0" anchor="ctr"/>
+          <a:lstStyle/>
+          <a:p>
+            <a:pPr algn="ctr"/>
+            <a:endParaRPr lang="en-US"/>
+          </a:p>
+        </p:txBody>
+      </p:sp>
+      <p:sp>
+        <p:nvSpPr>
+          <p:cNvPr id="6" name="Oval 5">
+            <a:extLst>
+              <a:ext uri="{FF2B5EF4-FFF2-40B4-BE49-F238E27FC236}">
+                <a16:creationId xmlns:a16="http://schemas.microsoft.com/office/drawing/2014/main" id="{9FDB3F4D-88FD-4AEC-AF93-8E2F5EDB0872}"/>
+              </a:ext>
+            </a:extLst>
+          </p:cNvPr>
+          <p:cNvSpPr/>
+          <p:nvPr/>
+        </p:nvSpPr>
+        <p:spPr>
+          <a:xfrm>
+            <a:off x="4926841" y="3870960"/>
+            <a:ext cx="2336800" cy="2275840"/>
+          </a:xfrm>
+          <a:prstGeom prst="ellipse">
+            <a:avLst/>
+          </a:prstGeom>
+        </p:spPr>
+        <p:style>
+          <a:lnRef idx="2">
+            <a:schemeClr val="accent1">
+              <a:shade val="50000"/>
+            </a:schemeClr>
+          </a:lnRef>
+          <a:fillRef idx="1">
+            <a:schemeClr val="accent1"/>
+          </a:fillRef>
+          <a:effectRef idx="0">
+            <a:schemeClr val="accent1"/>
+          </a:effectRef>
+          <a:fontRef idx="minor">
+            <a:schemeClr val="lt1"/>
+          </a:fontRef>
+        </p:style>
+        <p:txBody>
+          <a:bodyPr rtlCol="0" anchor="ctr"/>
+          <a:lstStyle/>
+          <a:p>
+            <a:pPr algn="ctr"/>
+            <a:endParaRPr lang="en-US"/>
+          </a:p>
+        </p:txBody>
+      </p:sp>
+      <p:sp>
+        <p:nvSpPr>
+          <p:cNvPr id="7" name="Oval 6">
+            <a:extLst>
+              <a:ext uri="{FF2B5EF4-FFF2-40B4-BE49-F238E27FC236}">
+                <a16:creationId xmlns:a16="http://schemas.microsoft.com/office/drawing/2014/main" id="{F9B22B11-03CB-4AE0-B496-B8DD59A38077}"/>
+              </a:ext>
+            </a:extLst>
+          </p:cNvPr>
+          <p:cNvSpPr/>
+          <p:nvPr/>
+        </p:nvSpPr>
+        <p:spPr>
+          <a:xfrm>
+            <a:off x="7202681" y="1595120"/>
+            <a:ext cx="2336800" cy="2275840"/>
+          </a:xfrm>
+          <a:prstGeom prst="ellipse">
+            <a:avLst/>
+          </a:prstGeom>
+        </p:spPr>
+        <p:style>
+          <a:lnRef idx="2">
+            <a:schemeClr val="accent1">
+              <a:shade val="50000"/>
+            </a:schemeClr>
+          </a:lnRef>
+          <a:fillRef idx="1">
+            <a:schemeClr val="accent1"/>
+          </a:fillRef>
+          <a:effectRef idx="0">
+            <a:schemeClr val="accent1"/>
+          </a:effectRef>
+          <a:fontRef idx="minor">
+            <a:schemeClr val="lt1"/>
+          </a:fontRef>
+        </p:style>
+        <p:txBody>
+          <a:bodyPr rtlCol="0" anchor="ctr"/>
+          <a:lstStyle/>
+          <a:p>
+            <a:pPr algn="ctr"/>
+            <a:endParaRPr lang="en-US"/>
+          </a:p>
+        </p:txBody>
+      </p:sp>
+      <p:sp>
+        <p:nvSpPr>
+          <p:cNvPr id="8" name="Oval 7">
+            <a:extLst>
+              <a:ext uri="{FF2B5EF4-FFF2-40B4-BE49-F238E27FC236}">
+                <a16:creationId xmlns:a16="http://schemas.microsoft.com/office/drawing/2014/main" id="{8E58F486-47D1-464A-AEBE-890A00A84433}"/>
+              </a:ext>
+            </a:extLst>
+          </p:cNvPr>
+          <p:cNvSpPr/>
+          <p:nvPr/>
+        </p:nvSpPr>
+        <p:spPr>
+          <a:xfrm>
+            <a:off x="487680" y="3078798"/>
+            <a:ext cx="690880" cy="558800"/>
+          </a:xfrm>
+          <a:prstGeom prst="ellipse">
+            <a:avLst/>
+          </a:prstGeom>
+        </p:spPr>
+        <p:style>
+          <a:lnRef idx="2">
+            <a:schemeClr val="accent1">
+              <a:shade val="50000"/>
+            </a:schemeClr>
+          </a:lnRef>
+          <a:fillRef idx="1">
+            <a:schemeClr val="accent1"/>
+          </a:fillRef>
+          <a:effectRef idx="0">
+            <a:schemeClr val="accent1"/>
+          </a:effectRef>
+          <a:fontRef idx="minor">
+            <a:schemeClr val="lt1"/>
+          </a:fontRef>
+        </p:style>
+        <p:txBody>
+          <a:bodyPr rtlCol="0" anchor="ctr"/>
+          <a:lstStyle/>
+          <a:p>
+            <a:pPr algn="ctr"/>
+            <a:r>
+              <a:rPr lang="zh-CN" altLang="en-US" dirty="0"/>
+              <a:t>商户</a:t>
+            </a:r>
+            <a:endParaRPr lang="en-US" dirty="0"/>
+          </a:p>
+        </p:txBody>
+      </p:sp>
+      <p:sp>
+        <p:nvSpPr>
+          <p:cNvPr id="9" name="Oval 8">
+            <a:extLst>
+              <a:ext uri="{FF2B5EF4-FFF2-40B4-BE49-F238E27FC236}">
+                <a16:creationId xmlns:a16="http://schemas.microsoft.com/office/drawing/2014/main" id="{E22D2A9B-2915-49E0-8703-DFD4AAE026D7}"/>
+              </a:ext>
+            </a:extLst>
+          </p:cNvPr>
+          <p:cNvSpPr/>
+          <p:nvPr/>
+        </p:nvSpPr>
+        <p:spPr>
+          <a:xfrm>
+            <a:off x="833120" y="1536700"/>
+            <a:ext cx="690880" cy="949960"/>
+          </a:xfrm>
+          <a:prstGeom prst="ellipse">
+            <a:avLst/>
+          </a:prstGeom>
+        </p:spPr>
+        <p:style>
+          <a:lnRef idx="2">
+            <a:schemeClr val="accent1">
+              <a:shade val="50000"/>
+            </a:schemeClr>
+          </a:lnRef>
+          <a:fillRef idx="1">
+            <a:schemeClr val="accent1"/>
+          </a:fillRef>
+          <a:effectRef idx="0">
+            <a:schemeClr val="accent1"/>
+          </a:effectRef>
+          <a:fontRef idx="minor">
+            <a:schemeClr val="lt1"/>
+          </a:fontRef>
+        </p:style>
+        <p:txBody>
+          <a:bodyPr rtlCol="0" anchor="ctr"/>
+          <a:lstStyle/>
+          <a:p>
+            <a:pPr algn="ctr"/>
+            <a:r>
+              <a:rPr lang="zh-CN" altLang="en-US" dirty="0"/>
+              <a:t>合作社</a:t>
+            </a:r>
+            <a:endParaRPr lang="en-US" dirty="0"/>
+          </a:p>
+        </p:txBody>
+      </p:sp>
+    </p:spTree>
+    <p:extLst>
+      <p:ext uri="{BB962C8B-B14F-4D97-AF65-F5344CB8AC3E}">
+        <p14:creationId xmlns:p14="http://schemas.microsoft.com/office/powerpoint/2010/main" val="263309926"/>
+      </p:ext>
+    </p:extLst>
+  </p:cSld>
+  <p:clrMapOvr>
+    <a:masterClrMapping/>
+  </p:clrMapOvr>
+  <mc:AlternateContent xmlns:mc="http://schemas.openxmlformats.org/markup-compatibility/2006" xmlns:p14="http://schemas.microsoft.com/office/powerpoint/2010/main">
+    <mc:Choice Requires="p14">
+      <p:transition spd="med" p14:dur="700">
+        <p:fade/>
+      </p:transition>
+    </mc:Choice>
+    <mc:Fallback xmlns="">
+      <p:transition spd="med">
+        <p:fade/>
+      </p:transition>
+    </mc:Fallback>
+  </mc:AlternateContent>
+</p:sld>
+</file>
+
 <file path=ppt/theme/theme1.xml><?xml version="1.0" encoding="utf-8"?>
 <a:theme xmlns:a="http://schemas.openxmlformats.org/drawingml/2006/main" name="Academic Literature 16x9">
   <a:themeElements>
@@ -13020,141 +13326,6 @@
 </file>
 
 <file path=customXml/item1.xml><?xml version="1.0" encoding="utf-8"?>
-<p:properties xmlns:p="http://schemas.microsoft.com/office/2006/metadata/properties" xmlns:xsi="http://www.w3.org/2001/XMLSchema-instance" xmlns:pc="http://schemas.microsoft.com/office/infopath/2007/PartnerControls">
-  <documentManagement>
-    <APDescription xmlns="4873beb7-5857-4685-be1f-d57550cc96cc" xsi:nil="true"/>
-    <AssetExpire xmlns="4873beb7-5857-4685-be1f-d57550cc96cc">2029-01-01T08:00:00+00:00</AssetExpire>
-    <CampaignTagsTaxHTField0 xmlns="4873beb7-5857-4685-be1f-d57550cc96cc">
-      <Terms xmlns="http://schemas.microsoft.com/office/infopath/2007/PartnerControls"/>
-    </CampaignTagsTaxHTField0>
-    <IntlLangReviewDate xmlns="4873beb7-5857-4685-be1f-d57550cc96cc" xsi:nil="true"/>
-    <TPFriendlyName xmlns="4873beb7-5857-4685-be1f-d57550cc96cc" xsi:nil="true"/>
-    <IntlLangReview xmlns="4873beb7-5857-4685-be1f-d57550cc96cc">false</IntlLangReview>
-    <LocLastLocAttemptVersionLookup xmlns="4873beb7-5857-4685-be1f-d57550cc96cc">855024</LocLastLocAttemptVersionLookup>
-    <PolicheckWords xmlns="4873beb7-5857-4685-be1f-d57550cc96cc" xsi:nil="true"/>
-    <SubmitterId xmlns="4873beb7-5857-4685-be1f-d57550cc96cc" xsi:nil="true"/>
-    <AcquiredFrom xmlns="4873beb7-5857-4685-be1f-d57550cc96cc">Internal MS</AcquiredFrom>
-    <EditorialStatus xmlns="4873beb7-5857-4685-be1f-d57550cc96cc">Complete</EditorialStatus>
-    <Markets xmlns="4873beb7-5857-4685-be1f-d57550cc96cc"/>
-    <OriginAsset xmlns="4873beb7-5857-4685-be1f-d57550cc96cc" xsi:nil="true"/>
-    <AssetStart xmlns="4873beb7-5857-4685-be1f-d57550cc96cc">2012-08-31T08:50:00+00:00</AssetStart>
-    <FriendlyTitle xmlns="4873beb7-5857-4685-be1f-d57550cc96cc" xsi:nil="true"/>
-    <MarketSpecific xmlns="4873beb7-5857-4685-be1f-d57550cc96cc">false</MarketSpecific>
-    <TPNamespace xmlns="4873beb7-5857-4685-be1f-d57550cc96cc" xsi:nil="true"/>
-    <PublishStatusLookup xmlns="4873beb7-5857-4685-be1f-d57550cc96cc">
-      <Value>1616423</Value>
-    </PublishStatusLookup>
-    <APAuthor xmlns="4873beb7-5857-4685-be1f-d57550cc96cc">
-      <UserInfo>
-        <DisplayName>REDMOND\kristaa</DisplayName>
-        <AccountId>136</AccountId>
-        <AccountType/>
-      </UserInfo>
-    </APAuthor>
-    <TPCommandLine xmlns="4873beb7-5857-4685-be1f-d57550cc96cc" xsi:nil="true"/>
-    <IntlLangReviewer xmlns="4873beb7-5857-4685-be1f-d57550cc96cc" xsi:nil="true"/>
-    <OpenTemplate xmlns="4873beb7-5857-4685-be1f-d57550cc96cc">true</OpenTemplate>
-    <CSXSubmissionDate xmlns="4873beb7-5857-4685-be1f-d57550cc96cc" xsi:nil="true"/>
-    <TaxCatchAll xmlns="4873beb7-5857-4685-be1f-d57550cc96cc"/>
-    <Manager xmlns="4873beb7-5857-4685-be1f-d57550cc96cc" xsi:nil="true"/>
-    <NumericId xmlns="4873beb7-5857-4685-be1f-d57550cc96cc" xsi:nil="true"/>
-    <ParentAssetId xmlns="4873beb7-5857-4685-be1f-d57550cc96cc" xsi:nil="true"/>
-    <OriginalSourceMarket xmlns="4873beb7-5857-4685-be1f-d57550cc96cc" xsi:nil="true"/>
-    <ApprovalStatus xmlns="4873beb7-5857-4685-be1f-d57550cc96cc">InProgress</ApprovalStatus>
-    <TPComponent xmlns="4873beb7-5857-4685-be1f-d57550cc96cc" xsi:nil="true"/>
-    <EditorialTags xmlns="4873beb7-5857-4685-be1f-d57550cc96cc" xsi:nil="true"/>
-    <TPExecutable xmlns="4873beb7-5857-4685-be1f-d57550cc96cc" xsi:nil="true"/>
-    <TPLaunchHelpLink xmlns="4873beb7-5857-4685-be1f-d57550cc96cc" xsi:nil="true"/>
-    <LocComments xmlns="4873beb7-5857-4685-be1f-d57550cc96cc" xsi:nil="true"/>
-    <LocRecommendedHandoff xmlns="4873beb7-5857-4685-be1f-d57550cc96cc" xsi:nil="true"/>
-    <SourceTitle xmlns="4873beb7-5857-4685-be1f-d57550cc96cc" xsi:nil="true"/>
-    <CSXUpdate xmlns="4873beb7-5857-4685-be1f-d57550cc96cc">false</CSXUpdate>
-    <IntlLocPriority xmlns="4873beb7-5857-4685-be1f-d57550cc96cc" xsi:nil="true"/>
-    <UAProjectedTotalWords xmlns="4873beb7-5857-4685-be1f-d57550cc96cc" xsi:nil="true"/>
-    <AssetType xmlns="4873beb7-5857-4685-be1f-d57550cc96cc">TP</AssetType>
-    <MachineTranslated xmlns="4873beb7-5857-4685-be1f-d57550cc96cc">false</MachineTranslated>
-    <OutputCachingOn xmlns="4873beb7-5857-4685-be1f-d57550cc96cc">false</OutputCachingOn>
-    <TemplateStatus xmlns="4873beb7-5857-4685-be1f-d57550cc96cc">Complete</TemplateStatus>
-    <IsSearchable xmlns="4873beb7-5857-4685-be1f-d57550cc96cc">true</IsSearchable>
-    <ContentItem xmlns="4873beb7-5857-4685-be1f-d57550cc96cc" xsi:nil="true"/>
-    <HandoffToMSDN xmlns="4873beb7-5857-4685-be1f-d57550cc96cc" xsi:nil="true"/>
-    <ShowIn xmlns="4873beb7-5857-4685-be1f-d57550cc96cc">Show everywhere</ShowIn>
-    <ThumbnailAssetId xmlns="4873beb7-5857-4685-be1f-d57550cc96cc" xsi:nil="true"/>
-    <UALocComments xmlns="4873beb7-5857-4685-be1f-d57550cc96cc" xsi:nil="true"/>
-    <UALocRecommendation xmlns="4873beb7-5857-4685-be1f-d57550cc96cc">Localize</UALocRecommendation>
-    <LastModifiedDateTime xmlns="4873beb7-5857-4685-be1f-d57550cc96cc" xsi:nil="true"/>
-    <LegacyData xmlns="4873beb7-5857-4685-be1f-d57550cc96cc" xsi:nil="true"/>
-    <LocManualTestRequired xmlns="4873beb7-5857-4685-be1f-d57550cc96cc">false</LocManualTestRequired>
-    <LocMarketGroupTiers2 xmlns="4873beb7-5857-4685-be1f-d57550cc96cc" xsi:nil="true"/>
-    <ClipArtFilename xmlns="4873beb7-5857-4685-be1f-d57550cc96cc" xsi:nil="true"/>
-    <TPApplication xmlns="4873beb7-5857-4685-be1f-d57550cc96cc" xsi:nil="true"/>
-    <CSXHash xmlns="4873beb7-5857-4685-be1f-d57550cc96cc" xsi:nil="true"/>
-    <DirectSourceMarket xmlns="4873beb7-5857-4685-be1f-d57550cc96cc" xsi:nil="true"/>
-    <PrimaryImageGen xmlns="4873beb7-5857-4685-be1f-d57550cc96cc">true</PrimaryImageGen>
-    <PlannedPubDate xmlns="4873beb7-5857-4685-be1f-d57550cc96cc" xsi:nil="true"/>
-    <CSXSubmissionMarket xmlns="4873beb7-5857-4685-be1f-d57550cc96cc" xsi:nil="true"/>
-    <Downloads xmlns="4873beb7-5857-4685-be1f-d57550cc96cc">0</Downloads>
-    <ArtSampleDocs xmlns="4873beb7-5857-4685-be1f-d57550cc96cc" xsi:nil="true"/>
-    <TrustLevel xmlns="4873beb7-5857-4685-be1f-d57550cc96cc">1 Microsoft Managed Content</TrustLevel>
-    <BlockPublish xmlns="4873beb7-5857-4685-be1f-d57550cc96cc">false</BlockPublish>
-    <TPLaunchHelpLinkType xmlns="4873beb7-5857-4685-be1f-d57550cc96cc">Template</TPLaunchHelpLinkType>
-    <LocalizationTagsTaxHTField0 xmlns="4873beb7-5857-4685-be1f-d57550cc96cc">
-      <Terms xmlns="http://schemas.microsoft.com/office/infopath/2007/PartnerControls"/>
-    </LocalizationTagsTaxHTField0>
-    <BusinessGroup xmlns="4873beb7-5857-4685-be1f-d57550cc96cc" xsi:nil="true"/>
-    <Providers xmlns="4873beb7-5857-4685-be1f-d57550cc96cc" xsi:nil="true"/>
-    <TemplateTemplateType xmlns="4873beb7-5857-4685-be1f-d57550cc96cc">PowerPoint Presentation Template</TemplateTemplateType>
-    <TimesCloned xmlns="4873beb7-5857-4685-be1f-d57550cc96cc" xsi:nil="true"/>
-    <TPAppVersion xmlns="4873beb7-5857-4685-be1f-d57550cc96cc" xsi:nil="true"/>
-    <VoteCount xmlns="4873beb7-5857-4685-be1f-d57550cc96cc" xsi:nil="true"/>
-    <AverageRating xmlns="4873beb7-5857-4685-be1f-d57550cc96cc" xsi:nil="true"/>
-    <FeatureTagsTaxHTField0 xmlns="4873beb7-5857-4685-be1f-d57550cc96cc">
-      <Terms xmlns="http://schemas.microsoft.com/office/infopath/2007/PartnerControls"/>
-    </FeatureTagsTaxHTField0>
-    <Provider xmlns="4873beb7-5857-4685-be1f-d57550cc96cc" xsi:nil="true"/>
-    <UACurrentWords xmlns="4873beb7-5857-4685-be1f-d57550cc96cc" xsi:nil="true"/>
-    <AssetId xmlns="4873beb7-5857-4685-be1f-d57550cc96cc">TP103431361</AssetId>
-    <TPClientViewer xmlns="4873beb7-5857-4685-be1f-d57550cc96cc" xsi:nil="true"/>
-    <DSATActionTaken xmlns="4873beb7-5857-4685-be1f-d57550cc96cc" xsi:nil="true"/>
-    <APEditor xmlns="4873beb7-5857-4685-be1f-d57550cc96cc">
-      <UserInfo>
-        <DisplayName/>
-        <AccountId xsi:nil="true"/>
-        <AccountType/>
-      </UserInfo>
-    </APEditor>
-    <TPInstallLocation xmlns="4873beb7-5857-4685-be1f-d57550cc96cc" xsi:nil="true"/>
-    <OOCacheId xmlns="4873beb7-5857-4685-be1f-d57550cc96cc" xsi:nil="true"/>
-    <IsDeleted xmlns="4873beb7-5857-4685-be1f-d57550cc96cc">false</IsDeleted>
-    <PublishTargets xmlns="4873beb7-5857-4685-be1f-d57550cc96cc">OfficeOnlineVNext</PublishTargets>
-    <ApprovalLog xmlns="4873beb7-5857-4685-be1f-d57550cc96cc" xsi:nil="true"/>
-    <BugNumber xmlns="4873beb7-5857-4685-be1f-d57550cc96cc" xsi:nil="true"/>
-    <CrawlForDependencies xmlns="4873beb7-5857-4685-be1f-d57550cc96cc">false</CrawlForDependencies>
-    <InternalTagsTaxHTField0 xmlns="4873beb7-5857-4685-be1f-d57550cc96cc">
-      <Terms xmlns="http://schemas.microsoft.com/office/infopath/2007/PartnerControls"/>
-    </InternalTagsTaxHTField0>
-    <LastHandOff xmlns="4873beb7-5857-4685-be1f-d57550cc96cc" xsi:nil="true"/>
-    <Milestone xmlns="4873beb7-5857-4685-be1f-d57550cc96cc" xsi:nil="true"/>
-    <OriginalRelease xmlns="4873beb7-5857-4685-be1f-d57550cc96cc">15</OriginalRelease>
-    <RecommendationsModifier xmlns="4873beb7-5857-4685-be1f-d57550cc96cc" xsi:nil="true"/>
-    <ScenarioTagsTaxHTField0 xmlns="4873beb7-5857-4685-be1f-d57550cc96cc">
-      <Terms xmlns="http://schemas.microsoft.com/office/infopath/2007/PartnerControls"/>
-    </ScenarioTagsTaxHTField0>
-    <UANotes xmlns="4873beb7-5857-4685-be1f-d57550cc96cc" xsi:nil="true"/>
-  </documentManagement>
-</p:properties>
-</file>
-
-<file path=customXml/item2.xml><?xml version="1.0" encoding="utf-8"?>
-<?mso-contentType ?>
-<FormTemplates xmlns="http://schemas.microsoft.com/sharepoint/v3/contenttype/forms">
-  <Display>DocumentLibraryForm</Display>
-  <Edit>AssetEditForm</Edit>
-  <New>DocumentLibraryForm</New>
-</FormTemplates>
-</file>
-
-<file path=customXml/item3.xml><?xml version="1.0" encoding="utf-8"?>
 <ct:contentTypeSchema xmlns:ct="http://schemas.microsoft.com/office/2006/metadata/contentType" xmlns:ma="http://schemas.microsoft.com/office/2006/metadata/properties/metaAttributes" ct:_="" ma:_="" ma:contentTypeName="TemplateFile" ma:contentTypeID="0x0101006EDDDB5EE6D98C44930B742096920B300400F5B6D36B3EF94B4E9A635CDF2A18F5B8" ma:contentTypeVersion="72" ma:contentTypeDescription="Create a new document." ma:contentTypeScope="" ma:versionID="a23e56308344d904b51738559c3d67c9">
   <xsd:schema xmlns:xsd="http://www.w3.org/2001/XMLSchema" xmlns:xs="http://www.w3.org/2001/XMLSchema" xmlns:p="http://schemas.microsoft.com/office/2006/metadata/properties" xmlns:ns2="4873beb7-5857-4685-be1f-d57550cc96cc" targetNamespace="http://schemas.microsoft.com/office/2006/metadata/properties" ma:root="true" ma:fieldsID="cd0908cc4600e77bf5da051303e00c8d" ns2:_="">
     <xsd:import namespace="4873beb7-5857-4685-be1f-d57550cc96cc"/>
@@ -14194,31 +14365,142 @@
 </ct:contentTypeSchema>
 </file>
 
-<file path=customXml/itemProps1.xml><?xml version="1.0" encoding="utf-8"?>
-<ds:datastoreItem xmlns:ds="http://schemas.openxmlformats.org/officeDocument/2006/customXml" ds:itemID="{8CDDBB83-77C1-4099-A0AA-289882E745E2}">
-  <ds:schemaRefs>
-    <ds:schemaRef ds:uri="http://purl.org/dc/dcmitype/"/>
-    <ds:schemaRef ds:uri="http://purl.org/dc/elements/1.1/"/>
-    <ds:schemaRef ds:uri="4873beb7-5857-4685-be1f-d57550cc96cc"/>
-    <ds:schemaRef ds:uri="http://schemas.microsoft.com/office/2006/metadata/properties"/>
-    <ds:schemaRef ds:uri="http://purl.org/dc/terms/"/>
-    <ds:schemaRef ds:uri="http://schemas.microsoft.com/office/2006/documentManagement/types"/>
-    <ds:schemaRef ds:uri="http://schemas.microsoft.com/office/infopath/2007/PartnerControls"/>
-    <ds:schemaRef ds:uri="http://schemas.openxmlformats.org/package/2006/metadata/core-properties"/>
-    <ds:schemaRef ds:uri="http://www.w3.org/XML/1998/namespace"/>
-  </ds:schemaRefs>
-</ds:datastoreItem>
+<file path=customXml/item2.xml><?xml version="1.0" encoding="utf-8"?>
+<?mso-contentType ?>
+<FormTemplates xmlns="http://schemas.microsoft.com/sharepoint/v3/contenttype/forms">
+  <Display>DocumentLibraryForm</Display>
+  <Edit>AssetEditForm</Edit>
+  <New>DocumentLibraryForm</New>
+</FormTemplates>
 </file>
 
-<file path=customXml/itemProps2.xml><?xml version="1.0" encoding="utf-8"?>
-<ds:datastoreItem xmlns:ds="http://schemas.openxmlformats.org/officeDocument/2006/customXml" ds:itemID="{561E720F-F05D-4536-9C34-0CFCED65D3B7}">
-  <ds:schemaRefs>
-    <ds:schemaRef ds:uri="http://schemas.microsoft.com/sharepoint/v3/contenttype/forms"/>
-  </ds:schemaRefs>
-</ds:datastoreItem>
+<file path=customXml/item3.xml><?xml version="1.0" encoding="utf-8"?>
+<p:properties xmlns:p="http://schemas.microsoft.com/office/2006/metadata/properties" xmlns:xsi="http://www.w3.org/2001/XMLSchema-instance" xmlns:pc="http://schemas.microsoft.com/office/infopath/2007/PartnerControls">
+  <documentManagement>
+    <APDescription xmlns="4873beb7-5857-4685-be1f-d57550cc96cc" xsi:nil="true"/>
+    <AssetExpire xmlns="4873beb7-5857-4685-be1f-d57550cc96cc">2029-01-01T08:00:00+00:00</AssetExpire>
+    <CampaignTagsTaxHTField0 xmlns="4873beb7-5857-4685-be1f-d57550cc96cc">
+      <Terms xmlns="http://schemas.microsoft.com/office/infopath/2007/PartnerControls"/>
+    </CampaignTagsTaxHTField0>
+    <IntlLangReviewDate xmlns="4873beb7-5857-4685-be1f-d57550cc96cc" xsi:nil="true"/>
+    <TPFriendlyName xmlns="4873beb7-5857-4685-be1f-d57550cc96cc" xsi:nil="true"/>
+    <IntlLangReview xmlns="4873beb7-5857-4685-be1f-d57550cc96cc">false</IntlLangReview>
+    <LocLastLocAttemptVersionLookup xmlns="4873beb7-5857-4685-be1f-d57550cc96cc">855024</LocLastLocAttemptVersionLookup>
+    <PolicheckWords xmlns="4873beb7-5857-4685-be1f-d57550cc96cc" xsi:nil="true"/>
+    <SubmitterId xmlns="4873beb7-5857-4685-be1f-d57550cc96cc" xsi:nil="true"/>
+    <AcquiredFrom xmlns="4873beb7-5857-4685-be1f-d57550cc96cc">Internal MS</AcquiredFrom>
+    <EditorialStatus xmlns="4873beb7-5857-4685-be1f-d57550cc96cc">Complete</EditorialStatus>
+    <Markets xmlns="4873beb7-5857-4685-be1f-d57550cc96cc"/>
+    <OriginAsset xmlns="4873beb7-5857-4685-be1f-d57550cc96cc" xsi:nil="true"/>
+    <AssetStart xmlns="4873beb7-5857-4685-be1f-d57550cc96cc">2012-08-31T08:50:00+00:00</AssetStart>
+    <FriendlyTitle xmlns="4873beb7-5857-4685-be1f-d57550cc96cc" xsi:nil="true"/>
+    <MarketSpecific xmlns="4873beb7-5857-4685-be1f-d57550cc96cc">false</MarketSpecific>
+    <TPNamespace xmlns="4873beb7-5857-4685-be1f-d57550cc96cc" xsi:nil="true"/>
+    <PublishStatusLookup xmlns="4873beb7-5857-4685-be1f-d57550cc96cc">
+      <Value>1616423</Value>
+    </PublishStatusLookup>
+    <APAuthor xmlns="4873beb7-5857-4685-be1f-d57550cc96cc">
+      <UserInfo>
+        <DisplayName>REDMOND\kristaa</DisplayName>
+        <AccountId>136</AccountId>
+        <AccountType/>
+      </UserInfo>
+    </APAuthor>
+    <TPCommandLine xmlns="4873beb7-5857-4685-be1f-d57550cc96cc" xsi:nil="true"/>
+    <IntlLangReviewer xmlns="4873beb7-5857-4685-be1f-d57550cc96cc" xsi:nil="true"/>
+    <OpenTemplate xmlns="4873beb7-5857-4685-be1f-d57550cc96cc">true</OpenTemplate>
+    <CSXSubmissionDate xmlns="4873beb7-5857-4685-be1f-d57550cc96cc" xsi:nil="true"/>
+    <TaxCatchAll xmlns="4873beb7-5857-4685-be1f-d57550cc96cc"/>
+    <Manager xmlns="4873beb7-5857-4685-be1f-d57550cc96cc" xsi:nil="true"/>
+    <NumericId xmlns="4873beb7-5857-4685-be1f-d57550cc96cc" xsi:nil="true"/>
+    <ParentAssetId xmlns="4873beb7-5857-4685-be1f-d57550cc96cc" xsi:nil="true"/>
+    <OriginalSourceMarket xmlns="4873beb7-5857-4685-be1f-d57550cc96cc" xsi:nil="true"/>
+    <ApprovalStatus xmlns="4873beb7-5857-4685-be1f-d57550cc96cc">InProgress</ApprovalStatus>
+    <TPComponent xmlns="4873beb7-5857-4685-be1f-d57550cc96cc" xsi:nil="true"/>
+    <EditorialTags xmlns="4873beb7-5857-4685-be1f-d57550cc96cc" xsi:nil="true"/>
+    <TPExecutable xmlns="4873beb7-5857-4685-be1f-d57550cc96cc" xsi:nil="true"/>
+    <TPLaunchHelpLink xmlns="4873beb7-5857-4685-be1f-d57550cc96cc" xsi:nil="true"/>
+    <LocComments xmlns="4873beb7-5857-4685-be1f-d57550cc96cc" xsi:nil="true"/>
+    <LocRecommendedHandoff xmlns="4873beb7-5857-4685-be1f-d57550cc96cc" xsi:nil="true"/>
+    <SourceTitle xmlns="4873beb7-5857-4685-be1f-d57550cc96cc" xsi:nil="true"/>
+    <CSXUpdate xmlns="4873beb7-5857-4685-be1f-d57550cc96cc">false</CSXUpdate>
+    <IntlLocPriority xmlns="4873beb7-5857-4685-be1f-d57550cc96cc" xsi:nil="true"/>
+    <UAProjectedTotalWords xmlns="4873beb7-5857-4685-be1f-d57550cc96cc" xsi:nil="true"/>
+    <AssetType xmlns="4873beb7-5857-4685-be1f-d57550cc96cc">TP</AssetType>
+    <MachineTranslated xmlns="4873beb7-5857-4685-be1f-d57550cc96cc">false</MachineTranslated>
+    <OutputCachingOn xmlns="4873beb7-5857-4685-be1f-d57550cc96cc">false</OutputCachingOn>
+    <TemplateStatus xmlns="4873beb7-5857-4685-be1f-d57550cc96cc">Complete</TemplateStatus>
+    <IsSearchable xmlns="4873beb7-5857-4685-be1f-d57550cc96cc">true</IsSearchable>
+    <ContentItem xmlns="4873beb7-5857-4685-be1f-d57550cc96cc" xsi:nil="true"/>
+    <HandoffToMSDN xmlns="4873beb7-5857-4685-be1f-d57550cc96cc" xsi:nil="true"/>
+    <ShowIn xmlns="4873beb7-5857-4685-be1f-d57550cc96cc">Show everywhere</ShowIn>
+    <ThumbnailAssetId xmlns="4873beb7-5857-4685-be1f-d57550cc96cc" xsi:nil="true"/>
+    <UALocComments xmlns="4873beb7-5857-4685-be1f-d57550cc96cc" xsi:nil="true"/>
+    <UALocRecommendation xmlns="4873beb7-5857-4685-be1f-d57550cc96cc">Localize</UALocRecommendation>
+    <LastModifiedDateTime xmlns="4873beb7-5857-4685-be1f-d57550cc96cc" xsi:nil="true"/>
+    <LegacyData xmlns="4873beb7-5857-4685-be1f-d57550cc96cc" xsi:nil="true"/>
+    <LocManualTestRequired xmlns="4873beb7-5857-4685-be1f-d57550cc96cc">false</LocManualTestRequired>
+    <LocMarketGroupTiers2 xmlns="4873beb7-5857-4685-be1f-d57550cc96cc" xsi:nil="true"/>
+    <ClipArtFilename xmlns="4873beb7-5857-4685-be1f-d57550cc96cc" xsi:nil="true"/>
+    <TPApplication xmlns="4873beb7-5857-4685-be1f-d57550cc96cc" xsi:nil="true"/>
+    <CSXHash xmlns="4873beb7-5857-4685-be1f-d57550cc96cc" xsi:nil="true"/>
+    <DirectSourceMarket xmlns="4873beb7-5857-4685-be1f-d57550cc96cc" xsi:nil="true"/>
+    <PrimaryImageGen xmlns="4873beb7-5857-4685-be1f-d57550cc96cc">true</PrimaryImageGen>
+    <PlannedPubDate xmlns="4873beb7-5857-4685-be1f-d57550cc96cc" xsi:nil="true"/>
+    <CSXSubmissionMarket xmlns="4873beb7-5857-4685-be1f-d57550cc96cc" xsi:nil="true"/>
+    <Downloads xmlns="4873beb7-5857-4685-be1f-d57550cc96cc">0</Downloads>
+    <ArtSampleDocs xmlns="4873beb7-5857-4685-be1f-d57550cc96cc" xsi:nil="true"/>
+    <TrustLevel xmlns="4873beb7-5857-4685-be1f-d57550cc96cc">1 Microsoft Managed Content</TrustLevel>
+    <BlockPublish xmlns="4873beb7-5857-4685-be1f-d57550cc96cc">false</BlockPublish>
+    <TPLaunchHelpLinkType xmlns="4873beb7-5857-4685-be1f-d57550cc96cc">Template</TPLaunchHelpLinkType>
+    <LocalizationTagsTaxHTField0 xmlns="4873beb7-5857-4685-be1f-d57550cc96cc">
+      <Terms xmlns="http://schemas.microsoft.com/office/infopath/2007/PartnerControls"/>
+    </LocalizationTagsTaxHTField0>
+    <BusinessGroup xmlns="4873beb7-5857-4685-be1f-d57550cc96cc" xsi:nil="true"/>
+    <Providers xmlns="4873beb7-5857-4685-be1f-d57550cc96cc" xsi:nil="true"/>
+    <TemplateTemplateType xmlns="4873beb7-5857-4685-be1f-d57550cc96cc">PowerPoint Presentation Template</TemplateTemplateType>
+    <TimesCloned xmlns="4873beb7-5857-4685-be1f-d57550cc96cc" xsi:nil="true"/>
+    <TPAppVersion xmlns="4873beb7-5857-4685-be1f-d57550cc96cc" xsi:nil="true"/>
+    <VoteCount xmlns="4873beb7-5857-4685-be1f-d57550cc96cc" xsi:nil="true"/>
+    <AverageRating xmlns="4873beb7-5857-4685-be1f-d57550cc96cc" xsi:nil="true"/>
+    <FeatureTagsTaxHTField0 xmlns="4873beb7-5857-4685-be1f-d57550cc96cc">
+      <Terms xmlns="http://schemas.microsoft.com/office/infopath/2007/PartnerControls"/>
+    </FeatureTagsTaxHTField0>
+    <Provider xmlns="4873beb7-5857-4685-be1f-d57550cc96cc" xsi:nil="true"/>
+    <UACurrentWords xmlns="4873beb7-5857-4685-be1f-d57550cc96cc" xsi:nil="true"/>
+    <AssetId xmlns="4873beb7-5857-4685-be1f-d57550cc96cc">TP103431361</AssetId>
+    <TPClientViewer xmlns="4873beb7-5857-4685-be1f-d57550cc96cc" xsi:nil="true"/>
+    <DSATActionTaken xmlns="4873beb7-5857-4685-be1f-d57550cc96cc" xsi:nil="true"/>
+    <APEditor xmlns="4873beb7-5857-4685-be1f-d57550cc96cc">
+      <UserInfo>
+        <DisplayName/>
+        <AccountId xsi:nil="true"/>
+        <AccountType/>
+      </UserInfo>
+    </APEditor>
+    <TPInstallLocation xmlns="4873beb7-5857-4685-be1f-d57550cc96cc" xsi:nil="true"/>
+    <OOCacheId xmlns="4873beb7-5857-4685-be1f-d57550cc96cc" xsi:nil="true"/>
+    <IsDeleted xmlns="4873beb7-5857-4685-be1f-d57550cc96cc">false</IsDeleted>
+    <PublishTargets xmlns="4873beb7-5857-4685-be1f-d57550cc96cc">OfficeOnlineVNext</PublishTargets>
+    <ApprovalLog xmlns="4873beb7-5857-4685-be1f-d57550cc96cc" xsi:nil="true"/>
+    <BugNumber xmlns="4873beb7-5857-4685-be1f-d57550cc96cc" xsi:nil="true"/>
+    <CrawlForDependencies xmlns="4873beb7-5857-4685-be1f-d57550cc96cc">false</CrawlForDependencies>
+    <InternalTagsTaxHTField0 xmlns="4873beb7-5857-4685-be1f-d57550cc96cc">
+      <Terms xmlns="http://schemas.microsoft.com/office/infopath/2007/PartnerControls"/>
+    </InternalTagsTaxHTField0>
+    <LastHandOff xmlns="4873beb7-5857-4685-be1f-d57550cc96cc" xsi:nil="true"/>
+    <Milestone xmlns="4873beb7-5857-4685-be1f-d57550cc96cc" xsi:nil="true"/>
+    <OriginalRelease xmlns="4873beb7-5857-4685-be1f-d57550cc96cc">15</OriginalRelease>
+    <RecommendationsModifier xmlns="4873beb7-5857-4685-be1f-d57550cc96cc" xsi:nil="true"/>
+    <ScenarioTagsTaxHTField0 xmlns="4873beb7-5857-4685-be1f-d57550cc96cc">
+      <Terms xmlns="http://schemas.microsoft.com/office/infopath/2007/PartnerControls"/>
+    </ScenarioTagsTaxHTField0>
+    <UANotes xmlns="4873beb7-5857-4685-be1f-d57550cc96cc" xsi:nil="true"/>
+  </documentManagement>
+</p:properties>
 </file>
 
-<file path=customXml/itemProps3.xml><?xml version="1.0" encoding="utf-8"?>
+<file path=customXml/itemProps1.xml><?xml version="1.0" encoding="utf-8"?>
 <ds:datastoreItem xmlns:ds="http://schemas.openxmlformats.org/officeDocument/2006/customXml" ds:itemID="{28C8B9CA-0273-4370-889A-FC05DA5C2FA5}">
   <ds:schemaRefs>
     <ds:schemaRef ds:uri="http://schemas.microsoft.com/office/2006/metadata/contentType"/>
@@ -14234,4 +14516,28 @@
     <ds:schemaRef ds:uri="http://schemas.microsoft.com/internal/obd"/>
   </ds:schemaRefs>
 </ds:datastoreItem>
+</file>
+
+<file path=customXml/itemProps2.xml><?xml version="1.0" encoding="utf-8"?>
+<ds:datastoreItem xmlns:ds="http://schemas.openxmlformats.org/officeDocument/2006/customXml" ds:itemID="{561E720F-F05D-4536-9C34-0CFCED65D3B7}">
+  <ds:schemaRefs>
+    <ds:schemaRef ds:uri="http://schemas.microsoft.com/sharepoint/v3/contenttype/forms"/>
+  </ds:schemaRefs>
+</ds:datastoreItem>
+</file>
+
+<file path=customXml/itemProps3.xml><?xml version="1.0" encoding="utf-8"?>
+<ds:datastoreItem xmlns:ds="http://schemas.openxmlformats.org/officeDocument/2006/customXml" ds:itemID="{8CDDBB83-77C1-4099-A0AA-289882E745E2}">
+  <ds:schemaRefs>
+    <ds:schemaRef ds:uri="http://purl.org/dc/dcmitype/"/>
+    <ds:schemaRef ds:uri="http://purl.org/dc/elements/1.1/"/>
+    <ds:schemaRef ds:uri="4873beb7-5857-4685-be1f-d57550cc96cc"/>
+    <ds:schemaRef ds:uri="http://schemas.microsoft.com/office/2006/metadata/properties"/>
+    <ds:schemaRef ds:uri="http://purl.org/dc/terms/"/>
+    <ds:schemaRef ds:uri="http://schemas.microsoft.com/office/2006/documentManagement/types"/>
+    <ds:schemaRef ds:uri="http://schemas.microsoft.com/office/infopath/2007/PartnerControls"/>
+    <ds:schemaRef ds:uri="http://schemas.openxmlformats.org/package/2006/metadata/core-properties"/>
+    <ds:schemaRef ds:uri="http://www.w3.org/XML/1998/namespace"/>
+  </ds:schemaRefs>
+</ds:datastoreItem>
 </file>
--- a/Docs/design.pptx
+++ b/Docs/design.pptx
@@ -5,10 +5,10 @@
     <p:sldMasterId id="2147483648" r:id="rId4"/>
   </p:sldMasterIdLst>
   <p:notesMasterIdLst>
-    <p:notesMasterId r:id="rId13"/>
+    <p:notesMasterId r:id="rId14"/>
   </p:notesMasterIdLst>
   <p:handoutMasterIdLst>
-    <p:handoutMasterId r:id="rId14"/>
+    <p:handoutMasterId r:id="rId15"/>
   </p:handoutMasterIdLst>
   <p:sldIdLst>
     <p:sldId id="256" r:id="rId5"/>
@@ -19,6 +19,7 @@
     <p:sldId id="274" r:id="rId10"/>
     <p:sldId id="276" r:id="rId11"/>
     <p:sldId id="278" r:id="rId12"/>
+    <p:sldId id="279" r:id="rId13"/>
   </p:sldIdLst>
   <p:sldSz cx="12192000" cy="6858000"/>
   <p:notesSz cx="6858000" cy="9144000"/>
@@ -3669,7 +3670,7 @@
           <a:p>
             <a:fld id="{23CEAAF3-9831-450B-8D59-2C09DB96C8FC}" type="datetimeFigureOut">
               <a:rPr lang="en-US"/>
-              <a:t>7/22/2021</a:t>
+              <a:t>8/8/2021</a:t>
             </a:fld>
             <a:endParaRPr/>
           </a:p>
@@ -3834,7 +3835,7 @@
           <a:p>
             <a:fld id="{2D50CD79-FC16-4410-AB61-17F26E6D3BC8}" type="datetimeFigureOut">
               <a:rPr lang="en-US"/>
-              <a:t>7/22/2021</a:t>
+              <a:t>8/8/2021</a:t>
             </a:fld>
             <a:endParaRPr/>
           </a:p>
@@ -4476,7 +4477,7 @@
             <a:fld id="{402B9795-92DC-40DC-A1CA-9A4B349D7824}" type="datetimeFigureOut">
               <a:rPr lang="en-US" smtClean="0"/>
               <a:pPr/>
-              <a:t>7/22/2021</a:t>
+              <a:t>8/8/2021</a:t>
             </a:fld>
             <a:endParaRPr lang="en-US" dirty="0"/>
           </a:p>
@@ -4770,7 +4771,7 @@
           <a:p>
             <a:fld id="{402B9795-92DC-40DC-A1CA-9A4B349D7824}" type="datetimeFigureOut">
               <a:rPr lang="en-US"/>
-              <a:t>7/22/2021</a:t>
+              <a:t>8/8/2021</a:t>
             </a:fld>
             <a:endParaRPr/>
           </a:p>
@@ -4952,7 +4953,7 @@
           <a:p>
             <a:fld id="{402B9795-92DC-40DC-A1CA-9A4B349D7824}" type="datetimeFigureOut">
               <a:rPr lang="en-US"/>
-              <a:t>7/22/2021</a:t>
+              <a:t>8/8/2021</a:t>
             </a:fld>
             <a:endParaRPr/>
           </a:p>
@@ -5144,7 +5145,7 @@
           <a:p>
             <a:fld id="{402B9795-92DC-40DC-A1CA-9A4B349D7824}" type="datetimeFigureOut">
               <a:rPr lang="en-US"/>
-              <a:t>7/22/2021</a:t>
+              <a:t>8/8/2021</a:t>
             </a:fld>
             <a:endParaRPr/>
           </a:p>
@@ -5413,7 +5414,7 @@
           <a:p>
             <a:fld id="{402B9795-92DC-40DC-A1CA-9A4B349D7824}" type="datetimeFigureOut">
               <a:rPr lang="en-US"/>
-              <a:t>7/22/2021</a:t>
+              <a:t>8/8/2021</a:t>
             </a:fld>
             <a:endParaRPr/>
           </a:p>
@@ -6442,7 +6443,7 @@
           <a:p>
             <a:fld id="{402B9795-92DC-40DC-A1CA-9A4B349D7824}" type="datetimeFigureOut">
               <a:rPr lang="en-US"/>
-              <a:t>7/22/2021</a:t>
+              <a:t>8/8/2021</a:t>
             </a:fld>
             <a:endParaRPr/>
           </a:p>
@@ -6715,7 +6716,7 @@
           <a:p>
             <a:fld id="{402B9795-92DC-40DC-A1CA-9A4B349D7824}" type="datetimeFigureOut">
               <a:rPr lang="en-US"/>
-              <a:t>7/22/2021</a:t>
+              <a:t>8/8/2021</a:t>
             </a:fld>
             <a:endParaRPr/>
           </a:p>
@@ -7095,7 +7096,7 @@
           <a:p>
             <a:fld id="{402B9795-92DC-40DC-A1CA-9A4B349D7824}" type="datetimeFigureOut">
               <a:rPr lang="en-US"/>
-              <a:t>7/22/2021</a:t>
+              <a:t>8/8/2021</a:t>
             </a:fld>
             <a:endParaRPr/>
           </a:p>
@@ -7225,7 +7226,7 @@
           <a:p>
             <a:fld id="{402B9795-92DC-40DC-A1CA-9A4B349D7824}" type="datetimeFigureOut">
               <a:rPr lang="en-US"/>
-              <a:t>7/22/2021</a:t>
+              <a:t>8/8/2021</a:t>
             </a:fld>
             <a:endParaRPr/>
           </a:p>
@@ -7332,7 +7333,7 @@
           <a:p>
             <a:fld id="{402B9795-92DC-40DC-A1CA-9A4B349D7824}" type="datetimeFigureOut">
               <a:rPr lang="en-US"/>
-              <a:t>7/22/2021</a:t>
+              <a:t>8/8/2021</a:t>
             </a:fld>
             <a:endParaRPr/>
           </a:p>
@@ -7623,7 +7624,7 @@
           <a:p>
             <a:fld id="{402B9795-92DC-40DC-A1CA-9A4B349D7824}" type="datetimeFigureOut">
               <a:rPr lang="en-US"/>
-              <a:t>7/22/2021</a:t>
+              <a:t>8/8/2021</a:t>
             </a:fld>
             <a:endParaRPr/>
           </a:p>
@@ -7849,7 +7850,7 @@
             <a:fld id="{402B9795-92DC-40DC-A1CA-9A4B349D7824}" type="datetimeFigureOut">
               <a:rPr lang="en-US" smtClean="0"/>
               <a:pPr/>
-              <a:t>7/22/2021</a:t>
+              <a:t>8/8/2021</a:t>
             </a:fld>
             <a:endParaRPr lang="en-US"/>
           </a:p>
@@ -12578,6 +12579,277 @@
 </p:sld>
 </file>
 
+<file path=ppt/slides/slide9.xml><?xml version="1.0" encoding="utf-8"?>
+<p:sld xmlns:a="http://schemas.openxmlformats.org/drawingml/2006/main" xmlns:r="http://schemas.openxmlformats.org/officeDocument/2006/relationships" xmlns:p="http://schemas.openxmlformats.org/presentationml/2006/main">
+  <p:cSld>
+    <p:spTree>
+      <p:nvGrpSpPr>
+        <p:cNvPr id="1" name=""/>
+        <p:cNvGrpSpPr/>
+        <p:nvPr/>
+      </p:nvGrpSpPr>
+      <p:grpSpPr>
+        <a:xfrm>
+          <a:off x="0" y="0"/>
+          <a:ext cx="0" cy="0"/>
+          <a:chOff x="0" y="0"/>
+          <a:chExt cx="0" cy="0"/>
+        </a:xfrm>
+      </p:grpSpPr>
+      <p:sp>
+        <p:nvSpPr>
+          <p:cNvPr id="2" name="Title 1">
+            <a:extLst>
+              <a:ext uri="{FF2B5EF4-FFF2-40B4-BE49-F238E27FC236}">
+                <a16:creationId xmlns:a16="http://schemas.microsoft.com/office/drawing/2014/main" id="{B7AFBF05-A833-487D-935F-1C6C842924A8}"/>
+              </a:ext>
+            </a:extLst>
+          </p:cNvPr>
+          <p:cNvSpPr>
+            <a:spLocks noGrp="1"/>
+          </p:cNvSpPr>
+          <p:nvPr>
+            <p:ph type="title"/>
+          </p:nvPr>
+        </p:nvSpPr>
+        <p:spPr/>
+        <p:txBody>
+          <a:bodyPr/>
+          <a:lstStyle/>
+          <a:p>
+            <a:r>
+              <a:rPr lang="zh-CN" altLang="en-US" dirty="0">
+                <a:solidFill>
+                  <a:srgbClr val="C00000"/>
+                </a:solidFill>
+                <a:latin typeface="微软雅黑" panose="020B0503020204020204" pitchFamily="34" charset="-122"/>
+                <a:ea typeface="微软雅黑" panose="020B0503020204020204" pitchFamily="34" charset="-122"/>
+              </a:rPr>
+              <a:t>信息技术研究院</a:t>
+            </a:r>
+            <a:endParaRPr lang="en-US" dirty="0">
+              <a:solidFill>
+                <a:srgbClr val="C00000"/>
+              </a:solidFill>
+              <a:latin typeface="微软雅黑" panose="020B0503020204020204" pitchFamily="34" charset="-122"/>
+              <a:ea typeface="微软雅黑" panose="020B0503020204020204" pitchFamily="34" charset="-122"/>
+            </a:endParaRPr>
+          </a:p>
+        </p:txBody>
+      </p:sp>
+      <p:sp>
+        <p:nvSpPr>
+          <p:cNvPr id="6" name="Text Placeholder 5">
+            <a:extLst>
+              <a:ext uri="{FF2B5EF4-FFF2-40B4-BE49-F238E27FC236}">
+                <a16:creationId xmlns:a16="http://schemas.microsoft.com/office/drawing/2014/main" id="{C3886C2C-9CA6-45CA-98F4-67D0D2F97F88}"/>
+              </a:ext>
+            </a:extLst>
+          </p:cNvPr>
+          <p:cNvSpPr>
+            <a:spLocks noGrp="1"/>
+          </p:cNvSpPr>
+          <p:nvPr>
+            <p:ph type="body" idx="1"/>
+          </p:nvPr>
+        </p:nvSpPr>
+        <p:spPr/>
+        <p:txBody>
+          <a:bodyPr/>
+          <a:lstStyle/>
+          <a:p>
+            <a:r>
+              <a:rPr lang="zh-CN" altLang="en-US" dirty="0"/>
+              <a:t>科研工作</a:t>
+            </a:r>
+            <a:endParaRPr lang="en-US" dirty="0"/>
+          </a:p>
+        </p:txBody>
+      </p:sp>
+      <p:sp>
+        <p:nvSpPr>
+          <p:cNvPr id="5" name="Content Placeholder 4">
+            <a:extLst>
+              <a:ext uri="{FF2B5EF4-FFF2-40B4-BE49-F238E27FC236}">
+                <a16:creationId xmlns:a16="http://schemas.microsoft.com/office/drawing/2014/main" id="{098C383F-7757-4EE4-A9ED-D86930BE9366}"/>
+              </a:ext>
+            </a:extLst>
+          </p:cNvPr>
+          <p:cNvSpPr>
+            <a:spLocks noGrp="1"/>
+          </p:cNvSpPr>
+          <p:nvPr>
+            <p:ph sz="half" idx="2"/>
+          </p:nvPr>
+        </p:nvSpPr>
+        <p:spPr/>
+        <p:txBody>
+          <a:bodyPr/>
+          <a:lstStyle/>
+          <a:p>
+            <a:r>
+              <a:rPr lang="zh-CN" altLang="en-US" dirty="0"/>
+              <a:t>面向工农业生产、供应链等应用领域</a:t>
+            </a:r>
+            <a:endParaRPr lang="en-US" altLang="zh-CN" dirty="0"/>
+          </a:p>
+          <a:p>
+            <a:r>
+              <a:rPr lang="zh-CN" altLang="en-US" dirty="0"/>
+              <a:t>研发属于区块链、物联网、机器学习等</a:t>
+            </a:r>
+            <a:r>
+              <a:rPr lang="zh-CN" altLang="en-US"/>
+              <a:t>技术门类的</a:t>
+            </a:r>
+            <a:r>
+              <a:rPr lang="zh-CN" altLang="en-US" dirty="0"/>
+              <a:t>底层技术</a:t>
+            </a:r>
+            <a:endParaRPr lang="en-US" altLang="zh-CN" dirty="0"/>
+          </a:p>
+          <a:p>
+            <a:r>
+              <a:rPr lang="zh-CN" altLang="en-US" dirty="0"/>
+              <a:t>积累符合国情的创新性技术平台和技术工具，例如品链框架（</a:t>
+            </a:r>
+            <a:r>
+              <a:rPr lang="en-US" altLang="zh-CN" dirty="0" err="1"/>
+              <a:t>SkyChain</a:t>
+            </a:r>
+            <a:r>
+              <a:rPr lang="zh-CN" altLang="en-US" dirty="0"/>
+              <a:t>），登记专利或软著</a:t>
+            </a:r>
+            <a:endParaRPr lang="en-US" altLang="zh-CN" dirty="0"/>
+          </a:p>
+          <a:p>
+            <a:r>
+              <a:rPr lang="zh-CN" altLang="en-US" dirty="0"/>
+              <a:t>组织或参与具体的应用项目的研发实施，实现研究成果的转化</a:t>
+            </a:r>
+            <a:endParaRPr lang="en-US" altLang="zh-CN" dirty="0"/>
+          </a:p>
+        </p:txBody>
+      </p:sp>
+      <p:sp>
+        <p:nvSpPr>
+          <p:cNvPr id="7" name="Text Placeholder 6">
+            <a:extLst>
+              <a:ext uri="{FF2B5EF4-FFF2-40B4-BE49-F238E27FC236}">
+                <a16:creationId xmlns:a16="http://schemas.microsoft.com/office/drawing/2014/main" id="{92F3E5F4-14CC-4F42-A9BD-5BD7A986E6F4}"/>
+              </a:ext>
+            </a:extLst>
+          </p:cNvPr>
+          <p:cNvSpPr>
+            <a:spLocks noGrp="1"/>
+          </p:cNvSpPr>
+          <p:nvPr>
+            <p:ph type="body" sz="quarter" idx="3"/>
+          </p:nvPr>
+        </p:nvSpPr>
+        <p:spPr/>
+        <p:txBody>
+          <a:bodyPr/>
+          <a:lstStyle/>
+          <a:p>
+            <a:r>
+              <a:rPr lang="zh-CN" altLang="en-US" dirty="0"/>
+              <a:t>交流工作</a:t>
+            </a:r>
+            <a:endParaRPr lang="en-US" dirty="0"/>
+          </a:p>
+        </p:txBody>
+      </p:sp>
+      <p:sp>
+        <p:nvSpPr>
+          <p:cNvPr id="8" name="Content Placeholder 7">
+            <a:extLst>
+              <a:ext uri="{FF2B5EF4-FFF2-40B4-BE49-F238E27FC236}">
+                <a16:creationId xmlns:a16="http://schemas.microsoft.com/office/drawing/2014/main" id="{C7ABC802-36BD-412B-8D66-A984EE288488}"/>
+              </a:ext>
+            </a:extLst>
+          </p:cNvPr>
+          <p:cNvSpPr>
+            <a:spLocks noGrp="1"/>
+          </p:cNvSpPr>
+          <p:nvPr>
+            <p:ph sz="quarter" idx="4"/>
+          </p:nvPr>
+        </p:nvSpPr>
+        <p:spPr/>
+        <p:txBody>
+          <a:bodyPr/>
+          <a:lstStyle/>
+          <a:p>
+            <a:r>
+              <a:rPr lang="zh-CN" altLang="en-US" dirty="0"/>
+              <a:t>参加 </a:t>
+            </a:r>
+            <a:r>
+              <a:rPr lang="en-US" altLang="zh-CN" dirty="0"/>
+              <a:t>IEEE </a:t>
+            </a:r>
+            <a:r>
+              <a:rPr lang="zh-CN" altLang="en-US" dirty="0"/>
+              <a:t>等国际权威学术组织的活动、发表论文</a:t>
+            </a:r>
+            <a:endParaRPr lang="en-US" altLang="zh-CN" dirty="0"/>
+          </a:p>
+          <a:p>
+            <a:r>
+              <a:rPr lang="zh-CN" altLang="en-US" dirty="0"/>
+              <a:t>参加国内权威学术组织的活动、发表论文</a:t>
+            </a:r>
+            <a:endParaRPr lang="en-US" altLang="zh-CN" dirty="0"/>
+          </a:p>
+          <a:p>
+            <a:r>
+              <a:rPr lang="zh-CN" altLang="en-US" dirty="0"/>
+              <a:t>与技术领域和应用领域的同行交流</a:t>
+            </a:r>
+            <a:endParaRPr lang="en-US" altLang="zh-CN" dirty="0"/>
+          </a:p>
+          <a:p>
+            <a:r>
+              <a:rPr lang="zh-CN" altLang="en-US" dirty="0"/>
+              <a:t>官方公众号</a:t>
+            </a:r>
+            <a:endParaRPr lang="en-US" altLang="zh-CN" dirty="0"/>
+          </a:p>
+          <a:p>
+            <a:endParaRPr lang="en-US" altLang="zh-CN" dirty="0"/>
+          </a:p>
+          <a:p>
+            <a:endParaRPr lang="en-US" dirty="0"/>
+          </a:p>
+        </p:txBody>
+      </p:sp>
+    </p:spTree>
+    <p:extLst>
+      <p:ext uri="{BB962C8B-B14F-4D97-AF65-F5344CB8AC3E}">
+        <p14:creationId xmlns:p14="http://schemas.microsoft.com/office/powerpoint/2010/main" val="1507208486"/>
+      </p:ext>
+    </p:extLst>
+  </p:cSld>
+  <p:clrMapOvr>
+    <a:masterClrMapping/>
+  </p:clrMapOvr>
+  <mc:AlternateContent xmlns:mc="http://schemas.openxmlformats.org/markup-compatibility/2006" xmlns:p14="http://schemas.microsoft.com/office/powerpoint/2010/main">
+    <mc:Choice Requires="p14">
+      <p:transition spd="med" p14:dur="700">
+        <p:fade/>
+      </p:transition>
+    </mc:Choice>
+    <mc:Fallback xmlns="">
+      <p:transition spd="med">
+        <p:fade/>
+      </p:transition>
+    </mc:Fallback>
+  </mc:AlternateContent>
+</p:sld>
+</file>
+
 <file path=ppt/theme/theme1.xml><?xml version="1.0" encoding="utf-8"?>
 <a:theme xmlns:a="http://schemas.openxmlformats.org/drawingml/2006/main" name="Academic Literature 16x9">
   <a:themeElements>
@@ -13326,6 +13598,141 @@
 </file>
 
 <file path=customXml/item1.xml><?xml version="1.0" encoding="utf-8"?>
+<p:properties xmlns:p="http://schemas.microsoft.com/office/2006/metadata/properties" xmlns:xsi="http://www.w3.org/2001/XMLSchema-instance" xmlns:pc="http://schemas.microsoft.com/office/infopath/2007/PartnerControls">
+  <documentManagement>
+    <APDescription xmlns="4873beb7-5857-4685-be1f-d57550cc96cc" xsi:nil="true"/>
+    <AssetExpire xmlns="4873beb7-5857-4685-be1f-d57550cc96cc">2029-01-01T08:00:00+00:00</AssetExpire>
+    <CampaignTagsTaxHTField0 xmlns="4873beb7-5857-4685-be1f-d57550cc96cc">
+      <Terms xmlns="http://schemas.microsoft.com/office/infopath/2007/PartnerControls"/>
+    </CampaignTagsTaxHTField0>
+    <IntlLangReviewDate xmlns="4873beb7-5857-4685-be1f-d57550cc96cc" xsi:nil="true"/>
+    <TPFriendlyName xmlns="4873beb7-5857-4685-be1f-d57550cc96cc" xsi:nil="true"/>
+    <IntlLangReview xmlns="4873beb7-5857-4685-be1f-d57550cc96cc">false</IntlLangReview>
+    <LocLastLocAttemptVersionLookup xmlns="4873beb7-5857-4685-be1f-d57550cc96cc">855024</LocLastLocAttemptVersionLookup>
+    <PolicheckWords xmlns="4873beb7-5857-4685-be1f-d57550cc96cc" xsi:nil="true"/>
+    <SubmitterId xmlns="4873beb7-5857-4685-be1f-d57550cc96cc" xsi:nil="true"/>
+    <AcquiredFrom xmlns="4873beb7-5857-4685-be1f-d57550cc96cc">Internal MS</AcquiredFrom>
+    <EditorialStatus xmlns="4873beb7-5857-4685-be1f-d57550cc96cc">Complete</EditorialStatus>
+    <Markets xmlns="4873beb7-5857-4685-be1f-d57550cc96cc"/>
+    <OriginAsset xmlns="4873beb7-5857-4685-be1f-d57550cc96cc" xsi:nil="true"/>
+    <AssetStart xmlns="4873beb7-5857-4685-be1f-d57550cc96cc">2012-08-31T08:50:00+00:00</AssetStart>
+    <FriendlyTitle xmlns="4873beb7-5857-4685-be1f-d57550cc96cc" xsi:nil="true"/>
+    <MarketSpecific xmlns="4873beb7-5857-4685-be1f-d57550cc96cc">false</MarketSpecific>
+    <TPNamespace xmlns="4873beb7-5857-4685-be1f-d57550cc96cc" xsi:nil="true"/>
+    <PublishStatusLookup xmlns="4873beb7-5857-4685-be1f-d57550cc96cc">
+      <Value>1616423</Value>
+    </PublishStatusLookup>
+    <APAuthor xmlns="4873beb7-5857-4685-be1f-d57550cc96cc">
+      <UserInfo>
+        <DisplayName>REDMOND\kristaa</DisplayName>
+        <AccountId>136</AccountId>
+        <AccountType/>
+      </UserInfo>
+    </APAuthor>
+    <TPCommandLine xmlns="4873beb7-5857-4685-be1f-d57550cc96cc" xsi:nil="true"/>
+    <IntlLangReviewer xmlns="4873beb7-5857-4685-be1f-d57550cc96cc" xsi:nil="true"/>
+    <OpenTemplate xmlns="4873beb7-5857-4685-be1f-d57550cc96cc">true</OpenTemplate>
+    <CSXSubmissionDate xmlns="4873beb7-5857-4685-be1f-d57550cc96cc" xsi:nil="true"/>
+    <TaxCatchAll xmlns="4873beb7-5857-4685-be1f-d57550cc96cc"/>
+    <Manager xmlns="4873beb7-5857-4685-be1f-d57550cc96cc" xsi:nil="true"/>
+    <NumericId xmlns="4873beb7-5857-4685-be1f-d57550cc96cc" xsi:nil="true"/>
+    <ParentAssetId xmlns="4873beb7-5857-4685-be1f-d57550cc96cc" xsi:nil="true"/>
+    <OriginalSourceMarket xmlns="4873beb7-5857-4685-be1f-d57550cc96cc" xsi:nil="true"/>
+    <ApprovalStatus xmlns="4873beb7-5857-4685-be1f-d57550cc96cc">InProgress</ApprovalStatus>
+    <TPComponent xmlns="4873beb7-5857-4685-be1f-d57550cc96cc" xsi:nil="true"/>
+    <EditorialTags xmlns="4873beb7-5857-4685-be1f-d57550cc96cc" xsi:nil="true"/>
+    <TPExecutable xmlns="4873beb7-5857-4685-be1f-d57550cc96cc" xsi:nil="true"/>
+    <TPLaunchHelpLink xmlns="4873beb7-5857-4685-be1f-d57550cc96cc" xsi:nil="true"/>
+    <LocComments xmlns="4873beb7-5857-4685-be1f-d57550cc96cc" xsi:nil="true"/>
+    <LocRecommendedHandoff xmlns="4873beb7-5857-4685-be1f-d57550cc96cc" xsi:nil="true"/>
+    <SourceTitle xmlns="4873beb7-5857-4685-be1f-d57550cc96cc" xsi:nil="true"/>
+    <CSXUpdate xmlns="4873beb7-5857-4685-be1f-d57550cc96cc">false</CSXUpdate>
+    <IntlLocPriority xmlns="4873beb7-5857-4685-be1f-d57550cc96cc" xsi:nil="true"/>
+    <UAProjectedTotalWords xmlns="4873beb7-5857-4685-be1f-d57550cc96cc" xsi:nil="true"/>
+    <AssetType xmlns="4873beb7-5857-4685-be1f-d57550cc96cc">TP</AssetType>
+    <MachineTranslated xmlns="4873beb7-5857-4685-be1f-d57550cc96cc">false</MachineTranslated>
+    <OutputCachingOn xmlns="4873beb7-5857-4685-be1f-d57550cc96cc">false</OutputCachingOn>
+    <TemplateStatus xmlns="4873beb7-5857-4685-be1f-d57550cc96cc">Complete</TemplateStatus>
+    <IsSearchable xmlns="4873beb7-5857-4685-be1f-d57550cc96cc">true</IsSearchable>
+    <ContentItem xmlns="4873beb7-5857-4685-be1f-d57550cc96cc" xsi:nil="true"/>
+    <HandoffToMSDN xmlns="4873beb7-5857-4685-be1f-d57550cc96cc" xsi:nil="true"/>
+    <ShowIn xmlns="4873beb7-5857-4685-be1f-d57550cc96cc">Show everywhere</ShowIn>
+    <ThumbnailAssetId xmlns="4873beb7-5857-4685-be1f-d57550cc96cc" xsi:nil="true"/>
+    <UALocComments xmlns="4873beb7-5857-4685-be1f-d57550cc96cc" xsi:nil="true"/>
+    <UALocRecommendation xmlns="4873beb7-5857-4685-be1f-d57550cc96cc">Localize</UALocRecommendation>
+    <LastModifiedDateTime xmlns="4873beb7-5857-4685-be1f-d57550cc96cc" xsi:nil="true"/>
+    <LegacyData xmlns="4873beb7-5857-4685-be1f-d57550cc96cc" xsi:nil="true"/>
+    <LocManualTestRequired xmlns="4873beb7-5857-4685-be1f-d57550cc96cc">false</LocManualTestRequired>
+    <LocMarketGroupTiers2 xmlns="4873beb7-5857-4685-be1f-d57550cc96cc" xsi:nil="true"/>
+    <ClipArtFilename xmlns="4873beb7-5857-4685-be1f-d57550cc96cc" xsi:nil="true"/>
+    <TPApplication xmlns="4873beb7-5857-4685-be1f-d57550cc96cc" xsi:nil="true"/>
+    <CSXHash xmlns="4873beb7-5857-4685-be1f-d57550cc96cc" xsi:nil="true"/>
+    <DirectSourceMarket xmlns="4873beb7-5857-4685-be1f-d57550cc96cc" xsi:nil="true"/>
+    <PrimaryImageGen xmlns="4873beb7-5857-4685-be1f-d57550cc96cc">true</PrimaryImageGen>
+    <PlannedPubDate xmlns="4873beb7-5857-4685-be1f-d57550cc96cc" xsi:nil="true"/>
+    <CSXSubmissionMarket xmlns="4873beb7-5857-4685-be1f-d57550cc96cc" xsi:nil="true"/>
+    <Downloads xmlns="4873beb7-5857-4685-be1f-d57550cc96cc">0</Downloads>
+    <ArtSampleDocs xmlns="4873beb7-5857-4685-be1f-d57550cc96cc" xsi:nil="true"/>
+    <TrustLevel xmlns="4873beb7-5857-4685-be1f-d57550cc96cc">1 Microsoft Managed Content</TrustLevel>
+    <BlockPublish xmlns="4873beb7-5857-4685-be1f-d57550cc96cc">false</BlockPublish>
+    <TPLaunchHelpLinkType xmlns="4873beb7-5857-4685-be1f-d57550cc96cc">Template</TPLaunchHelpLinkType>
+    <LocalizationTagsTaxHTField0 xmlns="4873beb7-5857-4685-be1f-d57550cc96cc">
+      <Terms xmlns="http://schemas.microsoft.com/office/infopath/2007/PartnerControls"/>
+    </LocalizationTagsTaxHTField0>
+    <BusinessGroup xmlns="4873beb7-5857-4685-be1f-d57550cc96cc" xsi:nil="true"/>
+    <Providers xmlns="4873beb7-5857-4685-be1f-d57550cc96cc" xsi:nil="true"/>
+    <TemplateTemplateType xmlns="4873beb7-5857-4685-be1f-d57550cc96cc">PowerPoint Presentation Template</TemplateTemplateType>
+    <TimesCloned xmlns="4873beb7-5857-4685-be1f-d57550cc96cc" xsi:nil="true"/>
+    <TPAppVersion xmlns="4873beb7-5857-4685-be1f-d57550cc96cc" xsi:nil="true"/>
+    <VoteCount xmlns="4873beb7-5857-4685-be1f-d57550cc96cc" xsi:nil="true"/>
+    <AverageRating xmlns="4873beb7-5857-4685-be1f-d57550cc96cc" xsi:nil="true"/>
+    <FeatureTagsTaxHTField0 xmlns="4873beb7-5857-4685-be1f-d57550cc96cc">
+      <Terms xmlns="http://schemas.microsoft.com/office/infopath/2007/PartnerControls"/>
+    </FeatureTagsTaxHTField0>
+    <Provider xmlns="4873beb7-5857-4685-be1f-d57550cc96cc" xsi:nil="true"/>
+    <UACurrentWords xmlns="4873beb7-5857-4685-be1f-d57550cc96cc" xsi:nil="true"/>
+    <AssetId xmlns="4873beb7-5857-4685-be1f-d57550cc96cc">TP103431361</AssetId>
+    <TPClientViewer xmlns="4873beb7-5857-4685-be1f-d57550cc96cc" xsi:nil="true"/>
+    <DSATActionTaken xmlns="4873beb7-5857-4685-be1f-d57550cc96cc" xsi:nil="true"/>
+    <APEditor xmlns="4873beb7-5857-4685-be1f-d57550cc96cc">
+      <UserInfo>
+        <DisplayName/>
+        <AccountId xsi:nil="true"/>
+        <AccountType/>
+      </UserInfo>
+    </APEditor>
+    <TPInstallLocation xmlns="4873beb7-5857-4685-be1f-d57550cc96cc" xsi:nil="true"/>
+    <OOCacheId xmlns="4873beb7-5857-4685-be1f-d57550cc96cc" xsi:nil="true"/>
+    <IsDeleted xmlns="4873beb7-5857-4685-be1f-d57550cc96cc">false</IsDeleted>
+    <PublishTargets xmlns="4873beb7-5857-4685-be1f-d57550cc96cc">OfficeOnlineVNext</PublishTargets>
+    <ApprovalLog xmlns="4873beb7-5857-4685-be1f-d57550cc96cc" xsi:nil="true"/>
+    <BugNumber xmlns="4873beb7-5857-4685-be1f-d57550cc96cc" xsi:nil="true"/>
+    <CrawlForDependencies xmlns="4873beb7-5857-4685-be1f-d57550cc96cc">false</CrawlForDependencies>
+    <InternalTagsTaxHTField0 xmlns="4873beb7-5857-4685-be1f-d57550cc96cc">
+      <Terms xmlns="http://schemas.microsoft.com/office/infopath/2007/PartnerControls"/>
+    </InternalTagsTaxHTField0>
+    <LastHandOff xmlns="4873beb7-5857-4685-be1f-d57550cc96cc" xsi:nil="true"/>
+    <Milestone xmlns="4873beb7-5857-4685-be1f-d57550cc96cc" xsi:nil="true"/>
+    <OriginalRelease xmlns="4873beb7-5857-4685-be1f-d57550cc96cc">15</OriginalRelease>
+    <RecommendationsModifier xmlns="4873beb7-5857-4685-be1f-d57550cc96cc" xsi:nil="true"/>
+    <ScenarioTagsTaxHTField0 xmlns="4873beb7-5857-4685-be1f-d57550cc96cc">
+      <Terms xmlns="http://schemas.microsoft.com/office/infopath/2007/PartnerControls"/>
+    </ScenarioTagsTaxHTField0>
+    <UANotes xmlns="4873beb7-5857-4685-be1f-d57550cc96cc" xsi:nil="true"/>
+  </documentManagement>
+</p:properties>
+</file>
+
+<file path=customXml/item2.xml><?xml version="1.0" encoding="utf-8"?>
+<?mso-contentType ?>
+<FormTemplates xmlns="http://schemas.microsoft.com/sharepoint/v3/contenttype/forms">
+  <Display>DocumentLibraryForm</Display>
+  <Edit>AssetEditForm</Edit>
+  <New>DocumentLibraryForm</New>
+</FormTemplates>
+</file>
+
+<file path=customXml/item3.xml><?xml version="1.0" encoding="utf-8"?>
 <ct:contentTypeSchema xmlns:ct="http://schemas.microsoft.com/office/2006/metadata/contentType" xmlns:ma="http://schemas.microsoft.com/office/2006/metadata/properties/metaAttributes" ct:_="" ma:_="" ma:contentTypeName="TemplateFile" ma:contentTypeID="0x0101006EDDDB5EE6D98C44930B742096920B300400F5B6D36B3EF94B4E9A635CDF2A18F5B8" ma:contentTypeVersion="72" ma:contentTypeDescription="Create a new document." ma:contentTypeScope="" ma:versionID="a23e56308344d904b51738559c3d67c9">
   <xsd:schema xmlns:xsd="http://www.w3.org/2001/XMLSchema" xmlns:xs="http://www.w3.org/2001/XMLSchema" xmlns:p="http://schemas.microsoft.com/office/2006/metadata/properties" xmlns:ns2="4873beb7-5857-4685-be1f-d57550cc96cc" targetNamespace="http://schemas.microsoft.com/office/2006/metadata/properties" ma:root="true" ma:fieldsID="cd0908cc4600e77bf5da051303e00c8d" ns2:_="">
     <xsd:import namespace="4873beb7-5857-4685-be1f-d57550cc96cc"/>
@@ -14365,142 +14772,31 @@
 </ct:contentTypeSchema>
 </file>
 
-<file path=customXml/item2.xml><?xml version="1.0" encoding="utf-8"?>
-<?mso-contentType ?>
-<FormTemplates xmlns="http://schemas.microsoft.com/sharepoint/v3/contenttype/forms">
-  <Display>DocumentLibraryForm</Display>
-  <Edit>AssetEditForm</Edit>
-  <New>DocumentLibraryForm</New>
-</FormTemplates>
+<file path=customXml/itemProps1.xml><?xml version="1.0" encoding="utf-8"?>
+<ds:datastoreItem xmlns:ds="http://schemas.openxmlformats.org/officeDocument/2006/customXml" ds:itemID="{8CDDBB83-77C1-4099-A0AA-289882E745E2}">
+  <ds:schemaRefs>
+    <ds:schemaRef ds:uri="http://purl.org/dc/dcmitype/"/>
+    <ds:schemaRef ds:uri="http://purl.org/dc/elements/1.1/"/>
+    <ds:schemaRef ds:uri="4873beb7-5857-4685-be1f-d57550cc96cc"/>
+    <ds:schemaRef ds:uri="http://schemas.microsoft.com/office/2006/metadata/properties"/>
+    <ds:schemaRef ds:uri="http://purl.org/dc/terms/"/>
+    <ds:schemaRef ds:uri="http://schemas.microsoft.com/office/2006/documentManagement/types"/>
+    <ds:schemaRef ds:uri="http://schemas.microsoft.com/office/infopath/2007/PartnerControls"/>
+    <ds:schemaRef ds:uri="http://schemas.openxmlformats.org/package/2006/metadata/core-properties"/>
+    <ds:schemaRef ds:uri="http://www.w3.org/XML/1998/namespace"/>
+  </ds:schemaRefs>
+</ds:datastoreItem>
 </file>
 
-<file path=customXml/item3.xml><?xml version="1.0" encoding="utf-8"?>
-<p:properties xmlns:p="http://schemas.microsoft.com/office/2006/metadata/properties" xmlns:xsi="http://www.w3.org/2001/XMLSchema-instance" xmlns:pc="http://schemas.microsoft.com/office/infopath/2007/PartnerControls">
-  <documentManagement>
-    <APDescription xmlns="4873beb7-5857-4685-be1f-d57550cc96cc" xsi:nil="true"/>
-    <AssetExpire xmlns="4873beb7-5857-4685-be1f-d57550cc96cc">2029-01-01T08:00:00+00:00</AssetExpire>
-    <CampaignTagsTaxHTField0 xmlns="4873beb7-5857-4685-be1f-d57550cc96cc">
-      <Terms xmlns="http://schemas.microsoft.com/office/infopath/2007/PartnerControls"/>
-    </CampaignTagsTaxHTField0>
-    <IntlLangReviewDate xmlns="4873beb7-5857-4685-be1f-d57550cc96cc" xsi:nil="true"/>
-    <TPFriendlyName xmlns="4873beb7-5857-4685-be1f-d57550cc96cc" xsi:nil="true"/>
-    <IntlLangReview xmlns="4873beb7-5857-4685-be1f-d57550cc96cc">false</IntlLangReview>
-    <LocLastLocAttemptVersionLookup xmlns="4873beb7-5857-4685-be1f-d57550cc96cc">855024</LocLastLocAttemptVersionLookup>
-    <PolicheckWords xmlns="4873beb7-5857-4685-be1f-d57550cc96cc" xsi:nil="true"/>
-    <SubmitterId xmlns="4873beb7-5857-4685-be1f-d57550cc96cc" xsi:nil="true"/>
-    <AcquiredFrom xmlns="4873beb7-5857-4685-be1f-d57550cc96cc">Internal MS</AcquiredFrom>
-    <EditorialStatus xmlns="4873beb7-5857-4685-be1f-d57550cc96cc">Complete</EditorialStatus>
-    <Markets xmlns="4873beb7-5857-4685-be1f-d57550cc96cc"/>
-    <OriginAsset xmlns="4873beb7-5857-4685-be1f-d57550cc96cc" xsi:nil="true"/>
-    <AssetStart xmlns="4873beb7-5857-4685-be1f-d57550cc96cc">2012-08-31T08:50:00+00:00</AssetStart>
-    <FriendlyTitle xmlns="4873beb7-5857-4685-be1f-d57550cc96cc" xsi:nil="true"/>
-    <MarketSpecific xmlns="4873beb7-5857-4685-be1f-d57550cc96cc">false</MarketSpecific>
-    <TPNamespace xmlns="4873beb7-5857-4685-be1f-d57550cc96cc" xsi:nil="true"/>
-    <PublishStatusLookup xmlns="4873beb7-5857-4685-be1f-d57550cc96cc">
-      <Value>1616423</Value>
-    </PublishStatusLookup>
-    <APAuthor xmlns="4873beb7-5857-4685-be1f-d57550cc96cc">
-      <UserInfo>
-        <DisplayName>REDMOND\kristaa</DisplayName>
-        <AccountId>136</AccountId>
-        <AccountType/>
-      </UserInfo>
-    </APAuthor>
-    <TPCommandLine xmlns="4873beb7-5857-4685-be1f-d57550cc96cc" xsi:nil="true"/>
-    <IntlLangReviewer xmlns="4873beb7-5857-4685-be1f-d57550cc96cc" xsi:nil="true"/>
-    <OpenTemplate xmlns="4873beb7-5857-4685-be1f-d57550cc96cc">true</OpenTemplate>
-    <CSXSubmissionDate xmlns="4873beb7-5857-4685-be1f-d57550cc96cc" xsi:nil="true"/>
-    <TaxCatchAll xmlns="4873beb7-5857-4685-be1f-d57550cc96cc"/>
-    <Manager xmlns="4873beb7-5857-4685-be1f-d57550cc96cc" xsi:nil="true"/>
-    <NumericId xmlns="4873beb7-5857-4685-be1f-d57550cc96cc" xsi:nil="true"/>
-    <ParentAssetId xmlns="4873beb7-5857-4685-be1f-d57550cc96cc" xsi:nil="true"/>
-    <OriginalSourceMarket xmlns="4873beb7-5857-4685-be1f-d57550cc96cc" xsi:nil="true"/>
-    <ApprovalStatus xmlns="4873beb7-5857-4685-be1f-d57550cc96cc">InProgress</ApprovalStatus>
-    <TPComponent xmlns="4873beb7-5857-4685-be1f-d57550cc96cc" xsi:nil="true"/>
-    <EditorialTags xmlns="4873beb7-5857-4685-be1f-d57550cc96cc" xsi:nil="true"/>
-    <TPExecutable xmlns="4873beb7-5857-4685-be1f-d57550cc96cc" xsi:nil="true"/>
-    <TPLaunchHelpLink xmlns="4873beb7-5857-4685-be1f-d57550cc96cc" xsi:nil="true"/>
-    <LocComments xmlns="4873beb7-5857-4685-be1f-d57550cc96cc" xsi:nil="true"/>
-    <LocRecommendedHandoff xmlns="4873beb7-5857-4685-be1f-d57550cc96cc" xsi:nil="true"/>
-    <SourceTitle xmlns="4873beb7-5857-4685-be1f-d57550cc96cc" xsi:nil="true"/>
-    <CSXUpdate xmlns="4873beb7-5857-4685-be1f-d57550cc96cc">false</CSXUpdate>
-    <IntlLocPriority xmlns="4873beb7-5857-4685-be1f-d57550cc96cc" xsi:nil="true"/>
-    <UAProjectedTotalWords xmlns="4873beb7-5857-4685-be1f-d57550cc96cc" xsi:nil="true"/>
-    <AssetType xmlns="4873beb7-5857-4685-be1f-d57550cc96cc">TP</AssetType>
-    <MachineTranslated xmlns="4873beb7-5857-4685-be1f-d57550cc96cc">false</MachineTranslated>
-    <OutputCachingOn xmlns="4873beb7-5857-4685-be1f-d57550cc96cc">false</OutputCachingOn>
-    <TemplateStatus xmlns="4873beb7-5857-4685-be1f-d57550cc96cc">Complete</TemplateStatus>
-    <IsSearchable xmlns="4873beb7-5857-4685-be1f-d57550cc96cc">true</IsSearchable>
-    <ContentItem xmlns="4873beb7-5857-4685-be1f-d57550cc96cc" xsi:nil="true"/>
-    <HandoffToMSDN xmlns="4873beb7-5857-4685-be1f-d57550cc96cc" xsi:nil="true"/>
-    <ShowIn xmlns="4873beb7-5857-4685-be1f-d57550cc96cc">Show everywhere</ShowIn>
-    <ThumbnailAssetId xmlns="4873beb7-5857-4685-be1f-d57550cc96cc" xsi:nil="true"/>
-    <UALocComments xmlns="4873beb7-5857-4685-be1f-d57550cc96cc" xsi:nil="true"/>
-    <UALocRecommendation xmlns="4873beb7-5857-4685-be1f-d57550cc96cc">Localize</UALocRecommendation>
-    <LastModifiedDateTime xmlns="4873beb7-5857-4685-be1f-d57550cc96cc" xsi:nil="true"/>
-    <LegacyData xmlns="4873beb7-5857-4685-be1f-d57550cc96cc" xsi:nil="true"/>
-    <LocManualTestRequired xmlns="4873beb7-5857-4685-be1f-d57550cc96cc">false</LocManualTestRequired>
-    <LocMarketGroupTiers2 xmlns="4873beb7-5857-4685-be1f-d57550cc96cc" xsi:nil="true"/>
-    <ClipArtFilename xmlns="4873beb7-5857-4685-be1f-d57550cc96cc" xsi:nil="true"/>
-    <TPApplication xmlns="4873beb7-5857-4685-be1f-d57550cc96cc" xsi:nil="true"/>
-    <CSXHash xmlns="4873beb7-5857-4685-be1f-d57550cc96cc" xsi:nil="true"/>
-    <DirectSourceMarket xmlns="4873beb7-5857-4685-be1f-d57550cc96cc" xsi:nil="true"/>
-    <PrimaryImageGen xmlns="4873beb7-5857-4685-be1f-d57550cc96cc">true</PrimaryImageGen>
-    <PlannedPubDate xmlns="4873beb7-5857-4685-be1f-d57550cc96cc" xsi:nil="true"/>
-    <CSXSubmissionMarket xmlns="4873beb7-5857-4685-be1f-d57550cc96cc" xsi:nil="true"/>
-    <Downloads xmlns="4873beb7-5857-4685-be1f-d57550cc96cc">0</Downloads>
-    <ArtSampleDocs xmlns="4873beb7-5857-4685-be1f-d57550cc96cc" xsi:nil="true"/>
-    <TrustLevel xmlns="4873beb7-5857-4685-be1f-d57550cc96cc">1 Microsoft Managed Content</TrustLevel>
-    <BlockPublish xmlns="4873beb7-5857-4685-be1f-d57550cc96cc">false</BlockPublish>
-    <TPLaunchHelpLinkType xmlns="4873beb7-5857-4685-be1f-d57550cc96cc">Template</TPLaunchHelpLinkType>
-    <LocalizationTagsTaxHTField0 xmlns="4873beb7-5857-4685-be1f-d57550cc96cc">
-      <Terms xmlns="http://schemas.microsoft.com/office/infopath/2007/PartnerControls"/>
-    </LocalizationTagsTaxHTField0>
-    <BusinessGroup xmlns="4873beb7-5857-4685-be1f-d57550cc96cc" xsi:nil="true"/>
-    <Providers xmlns="4873beb7-5857-4685-be1f-d57550cc96cc" xsi:nil="true"/>
-    <TemplateTemplateType xmlns="4873beb7-5857-4685-be1f-d57550cc96cc">PowerPoint Presentation Template</TemplateTemplateType>
-    <TimesCloned xmlns="4873beb7-5857-4685-be1f-d57550cc96cc" xsi:nil="true"/>
-    <TPAppVersion xmlns="4873beb7-5857-4685-be1f-d57550cc96cc" xsi:nil="true"/>
-    <VoteCount xmlns="4873beb7-5857-4685-be1f-d57550cc96cc" xsi:nil="true"/>
-    <AverageRating xmlns="4873beb7-5857-4685-be1f-d57550cc96cc" xsi:nil="true"/>
-    <FeatureTagsTaxHTField0 xmlns="4873beb7-5857-4685-be1f-d57550cc96cc">
-      <Terms xmlns="http://schemas.microsoft.com/office/infopath/2007/PartnerControls"/>
-    </FeatureTagsTaxHTField0>
-    <Provider xmlns="4873beb7-5857-4685-be1f-d57550cc96cc" xsi:nil="true"/>
-    <UACurrentWords xmlns="4873beb7-5857-4685-be1f-d57550cc96cc" xsi:nil="true"/>
-    <AssetId xmlns="4873beb7-5857-4685-be1f-d57550cc96cc">TP103431361</AssetId>
-    <TPClientViewer xmlns="4873beb7-5857-4685-be1f-d57550cc96cc" xsi:nil="true"/>
-    <DSATActionTaken xmlns="4873beb7-5857-4685-be1f-d57550cc96cc" xsi:nil="true"/>
-    <APEditor xmlns="4873beb7-5857-4685-be1f-d57550cc96cc">
-      <UserInfo>
-        <DisplayName/>
-        <AccountId xsi:nil="true"/>
-        <AccountType/>
-      </UserInfo>
-    </APEditor>
-    <TPInstallLocation xmlns="4873beb7-5857-4685-be1f-d57550cc96cc" xsi:nil="true"/>
-    <OOCacheId xmlns="4873beb7-5857-4685-be1f-d57550cc96cc" xsi:nil="true"/>
-    <IsDeleted xmlns="4873beb7-5857-4685-be1f-d57550cc96cc">false</IsDeleted>
-    <PublishTargets xmlns="4873beb7-5857-4685-be1f-d57550cc96cc">OfficeOnlineVNext</PublishTargets>
-    <ApprovalLog xmlns="4873beb7-5857-4685-be1f-d57550cc96cc" xsi:nil="true"/>
-    <BugNumber xmlns="4873beb7-5857-4685-be1f-d57550cc96cc" xsi:nil="true"/>
-    <CrawlForDependencies xmlns="4873beb7-5857-4685-be1f-d57550cc96cc">false</CrawlForDependencies>
-    <InternalTagsTaxHTField0 xmlns="4873beb7-5857-4685-be1f-d57550cc96cc">
-      <Terms xmlns="http://schemas.microsoft.com/office/infopath/2007/PartnerControls"/>
-    </InternalTagsTaxHTField0>
-    <LastHandOff xmlns="4873beb7-5857-4685-be1f-d57550cc96cc" xsi:nil="true"/>
-    <Milestone xmlns="4873beb7-5857-4685-be1f-d57550cc96cc" xsi:nil="true"/>
-    <OriginalRelease xmlns="4873beb7-5857-4685-be1f-d57550cc96cc">15</OriginalRelease>
-    <RecommendationsModifier xmlns="4873beb7-5857-4685-be1f-d57550cc96cc" xsi:nil="true"/>
-    <ScenarioTagsTaxHTField0 xmlns="4873beb7-5857-4685-be1f-d57550cc96cc">
-      <Terms xmlns="http://schemas.microsoft.com/office/infopath/2007/PartnerControls"/>
-    </ScenarioTagsTaxHTField0>
-    <UANotes xmlns="4873beb7-5857-4685-be1f-d57550cc96cc" xsi:nil="true"/>
-  </documentManagement>
-</p:properties>
+<file path=customXml/itemProps2.xml><?xml version="1.0" encoding="utf-8"?>
+<ds:datastoreItem xmlns:ds="http://schemas.openxmlformats.org/officeDocument/2006/customXml" ds:itemID="{561E720F-F05D-4536-9C34-0CFCED65D3B7}">
+  <ds:schemaRefs>
+    <ds:schemaRef ds:uri="http://schemas.microsoft.com/sharepoint/v3/contenttype/forms"/>
+  </ds:schemaRefs>
+</ds:datastoreItem>
 </file>
 
-<file path=customXml/itemProps1.xml><?xml version="1.0" encoding="utf-8"?>
+<file path=customXml/itemProps3.xml><?xml version="1.0" encoding="utf-8"?>
 <ds:datastoreItem xmlns:ds="http://schemas.openxmlformats.org/officeDocument/2006/customXml" ds:itemID="{28C8B9CA-0273-4370-889A-FC05DA5C2FA5}">
   <ds:schemaRefs>
     <ds:schemaRef ds:uri="http://schemas.microsoft.com/office/2006/metadata/contentType"/>
@@ -14516,28 +14812,4 @@
     <ds:schemaRef ds:uri="http://schemas.microsoft.com/internal/obd"/>
   </ds:schemaRefs>
 </ds:datastoreItem>
-</file>
-
-<file path=customXml/itemProps2.xml><?xml version="1.0" encoding="utf-8"?>
-<ds:datastoreItem xmlns:ds="http://schemas.openxmlformats.org/officeDocument/2006/customXml" ds:itemID="{561E720F-F05D-4536-9C34-0CFCED65D3B7}">
-  <ds:schemaRefs>
-    <ds:schemaRef ds:uri="http://schemas.microsoft.com/sharepoint/v3/contenttype/forms"/>
-  </ds:schemaRefs>
-</ds:datastoreItem>
-</file>
-
-<file path=customXml/itemProps3.xml><?xml version="1.0" encoding="utf-8"?>
-<ds:datastoreItem xmlns:ds="http://schemas.openxmlformats.org/officeDocument/2006/customXml" ds:itemID="{8CDDBB83-77C1-4099-A0AA-289882E745E2}">
-  <ds:schemaRefs>
-    <ds:schemaRef ds:uri="http://purl.org/dc/dcmitype/"/>
-    <ds:schemaRef ds:uri="http://purl.org/dc/elements/1.1/"/>
-    <ds:schemaRef ds:uri="4873beb7-5857-4685-be1f-d57550cc96cc"/>
-    <ds:schemaRef ds:uri="http://schemas.microsoft.com/office/2006/metadata/properties"/>
-    <ds:schemaRef ds:uri="http://purl.org/dc/terms/"/>
-    <ds:schemaRef ds:uri="http://schemas.microsoft.com/office/2006/documentManagement/types"/>
-    <ds:schemaRef ds:uri="http://schemas.microsoft.com/office/infopath/2007/PartnerControls"/>
-    <ds:schemaRef ds:uri="http://schemas.openxmlformats.org/package/2006/metadata/core-properties"/>
-    <ds:schemaRef ds:uri="http://www.w3.org/XML/1998/namespace"/>
-  </ds:schemaRefs>
-</ds:datastoreItem>
 </file>